--- a/Labs/L3/Project Proposal.pptx
+++ b/Labs/L3/Project Proposal.pptx
@@ -1,6 +1,6 @@
 
 <file path=ppt/presentation.xml><?xml version="1.0" encoding="utf-8"?>
-<p:presentation xmlns:a="http://schemas.openxmlformats.org/drawingml/2006/main" xmlns:r="http://schemas.openxmlformats.org/officeDocument/2006/relationships" xmlns:mc="http://schemas.openxmlformats.org/markup-compatibility/2006" xmlns:mv="urn:schemas-microsoft-com:mac:vml" xmlns:p="http://schemas.openxmlformats.org/presentationml/2006/main" xmlns:c="http://schemas.openxmlformats.org/drawingml/2006/chart" xmlns:dgm="http://schemas.openxmlformats.org/drawingml/2006/diagram" xmlns:o="urn:schemas-microsoft-com:office:office" xmlns:v="urn:schemas-microsoft-com:vml" xmlns:pvml="urn:schemas-microsoft-com:office:powerpoint" xmlns:com="http://schemas.openxmlformats.org/drawingml/2006/compatibility" xmlns:p14="http://schemas.microsoft.com/office/powerpoint/2010/main" autoCompressPictures="0" embedTrueTypeFonts="1" strictFirstAndLastChars="0" saveSubsetFonts="1">
+<p:presentation xmlns:a="http://schemas.openxmlformats.org/drawingml/2006/main" xmlns:r="http://schemas.openxmlformats.org/officeDocument/2006/relationships" xmlns:mc="http://schemas.openxmlformats.org/markup-compatibility/2006" xmlns:mv="urn:schemas-microsoft-com:mac:vml" xmlns:p="http://schemas.openxmlformats.org/presentationml/2006/main" xmlns:c="http://schemas.openxmlformats.org/drawingml/2006/chart" xmlns:dgm="http://schemas.openxmlformats.org/drawingml/2006/diagram" xmlns:o="urn:schemas-microsoft-com:office:office" xmlns:v="urn:schemas-microsoft-com:vml" xmlns:pvml="urn:schemas-microsoft-com:office:powerpoint" xmlns:com="http://schemas.openxmlformats.org/drawingml/2006/compatibility" xmlns:p14="http://schemas.microsoft.com/office/powerpoint/2010/main" autoCompressPictures="0" embedTrueTypeFonts="1" strictFirstAndLastChars="0" saveSubsetFonts="1" showSpecialPlsOnTitleSld="0">
   <p:sldMasterIdLst>
     <p:sldMasterId id="2147483659" r:id="rId3"/>
   </p:sldMasterIdLst>
@@ -13,19 +13,23 @@
     <p:sldId id="258" r:id="rId7"/>
     <p:sldId id="259" r:id="rId8"/>
     <p:sldId id="260" r:id="rId9"/>
+    <p:sldId id="261" r:id="rId10"/>
+    <p:sldId id="262" r:id="rId11"/>
+    <p:sldId id="263" r:id="rId12"/>
+    <p:sldId id="264" r:id="rId13"/>
   </p:sldIdLst>
   <p:sldSz cy="5143500" cx="9144000"/>
   <p:notesSz cx="6858000" cy="9144000"/>
   <p:embeddedFontLst>
     <p:embeddedFont>
       <p:font typeface="Amatic SC"/>
-      <p:regular r:id="rId10"/>
-      <p:bold r:id="rId11"/>
+      <p:regular r:id="rId14"/>
+      <p:bold r:id="rId15"/>
     </p:embeddedFont>
     <p:embeddedFont>
       <p:font typeface="Source Code Pro"/>
-      <p:regular r:id="rId12"/>
-      <p:bold r:id="rId13"/>
+      <p:regular r:id="rId16"/>
+      <p:bold r:id="rId17"/>
     </p:embeddedFont>
   </p:embeddedFontLst>
   <p:defaultTextStyle>
@@ -491,7 +495,7 @@
   <p:cSld>
     <p:spTree>
       <p:nvGrpSpPr>
-        <p:cNvPr id="58" name="Shape 58"/>
+        <p:cNvPr id="59" name="Shape 59"/>
         <p:cNvGrpSpPr/>
         <p:nvPr/>
       </p:nvGrpSpPr>
@@ -505,7 +509,7 @@
       </p:grpSpPr>
       <p:sp>
         <p:nvSpPr>
-          <p:cNvPr id="59" name="Shape 59"/>
+          <p:cNvPr id="60" name="Shape 60"/>
           <p:cNvSpPr/>
           <p:nvPr>
             <p:ph idx="2" type="sldImg"/>
@@ -539,7 +543,7 @@
       </p:sp>
       <p:sp>
         <p:nvSpPr>
-          <p:cNvPr id="60" name="Shape 60"/>
+          <p:cNvPr id="61" name="Shape 61"/>
           <p:cNvSpPr txBox="1"/>
           <p:nvPr>
             <p:ph idx="1" type="body"/>
@@ -586,7 +590,7 @@
   <p:cSld>
     <p:spTree>
       <p:nvGrpSpPr>
-        <p:cNvPr id="65" name="Shape 65"/>
+        <p:cNvPr id="66" name="Shape 66"/>
         <p:cNvGrpSpPr/>
         <p:nvPr/>
       </p:nvGrpSpPr>
@@ -600,7 +604,7 @@
       </p:grpSpPr>
       <p:sp>
         <p:nvSpPr>
-          <p:cNvPr id="66" name="Shape 66"/>
+          <p:cNvPr id="67" name="Shape 67"/>
           <p:cNvSpPr/>
           <p:nvPr>
             <p:ph idx="2" type="sldImg"/>
@@ -634,7 +638,7 @@
       </p:sp>
       <p:sp>
         <p:nvSpPr>
-          <p:cNvPr id="67" name="Shape 67"/>
+          <p:cNvPr id="68" name="Shape 68"/>
           <p:cNvSpPr txBox="1"/>
           <p:nvPr>
             <p:ph idx="1" type="body"/>
@@ -681,7 +685,7 @@
   <p:cSld>
     <p:spTree>
       <p:nvGrpSpPr>
-        <p:cNvPr id="71" name="Shape 71"/>
+        <p:cNvPr id="74" name="Shape 74"/>
         <p:cNvGrpSpPr/>
         <p:nvPr/>
       </p:nvGrpSpPr>
@@ -695,7 +699,7 @@
       </p:grpSpPr>
       <p:sp>
         <p:nvSpPr>
-          <p:cNvPr id="72" name="Shape 72"/>
+          <p:cNvPr id="75" name="Shape 75"/>
           <p:cNvSpPr/>
           <p:nvPr>
             <p:ph idx="2" type="sldImg"/>
@@ -729,7 +733,7 @@
       </p:sp>
       <p:sp>
         <p:nvSpPr>
-          <p:cNvPr id="73" name="Shape 73"/>
+          <p:cNvPr id="76" name="Shape 76"/>
           <p:cNvSpPr txBox="1"/>
           <p:nvPr>
             <p:ph idx="1" type="body"/>
@@ -776,7 +780,7 @@
   <p:cSld>
     <p:spTree>
       <p:nvGrpSpPr>
-        <p:cNvPr id="82" name="Shape 82"/>
+        <p:cNvPr id="86" name="Shape 86"/>
         <p:cNvGrpSpPr/>
         <p:nvPr/>
       </p:nvGrpSpPr>
@@ -790,7 +794,7 @@
       </p:grpSpPr>
       <p:sp>
         <p:nvSpPr>
-          <p:cNvPr id="83" name="Shape 83"/>
+          <p:cNvPr id="87" name="Shape 87"/>
           <p:cNvSpPr/>
           <p:nvPr>
             <p:ph idx="2" type="sldImg"/>
@@ -824,7 +828,7 @@
       </p:sp>
       <p:sp>
         <p:nvSpPr>
-          <p:cNvPr id="84" name="Shape 84"/>
+          <p:cNvPr id="88" name="Shape 88"/>
           <p:cNvSpPr txBox="1"/>
           <p:nvPr>
             <p:ph idx="1" type="body"/>
@@ -846,6 +850,386 @@
           <a:lstStyle/>
           <a:p>
             <a:pPr lvl="0">
+              <a:spcBef>
+                <a:spcPts val="0"/>
+              </a:spcBef>
+              <a:buNone/>
+            </a:pPr>
+            <a:r>
+              <a:t/>
+            </a:r>
+            <a:endParaRPr/>
+          </a:p>
+        </p:txBody>
+      </p:sp>
+    </p:spTree>
+  </p:cSld>
+  <p:clrMapOvr>
+    <a:masterClrMapping/>
+  </p:clrMapOvr>
+</p:notes>
+</file>
+
+<file path=ppt/notesSlides/notesSlide5.xml><?xml version="1.0" encoding="utf-8"?>
+<p:notes xmlns:a="http://schemas.openxmlformats.org/drawingml/2006/main" xmlns:r="http://schemas.openxmlformats.org/officeDocument/2006/relationships" xmlns:mc="http://schemas.openxmlformats.org/markup-compatibility/2006" xmlns:mv="urn:schemas-microsoft-com:mac:vml" xmlns:p="http://schemas.openxmlformats.org/presentationml/2006/main" xmlns:c="http://schemas.openxmlformats.org/drawingml/2006/chart" xmlns:dgm="http://schemas.openxmlformats.org/drawingml/2006/diagram" xmlns:o="urn:schemas-microsoft-com:office:office" xmlns:v="urn:schemas-microsoft-com:vml" xmlns:pvml="urn:schemas-microsoft-com:office:powerpoint" xmlns:com="http://schemas.openxmlformats.org/drawingml/2006/compatibility" xmlns:p14="http://schemas.microsoft.com/office/powerpoint/2010/main" showMasterPhAnim="0" showMasterSp="0">
+  <p:cSld>
+    <p:spTree>
+      <p:nvGrpSpPr>
+        <p:cNvPr id="93" name="Shape 93"/>
+        <p:cNvGrpSpPr/>
+        <p:nvPr/>
+      </p:nvGrpSpPr>
+      <p:grpSpPr>
+        <a:xfrm>
+          <a:off x="0" y="0"/>
+          <a:ext cx="0" cy="0"/>
+          <a:chOff x="0" y="0"/>
+          <a:chExt cx="0" cy="0"/>
+        </a:xfrm>
+      </p:grpSpPr>
+      <p:sp>
+        <p:nvSpPr>
+          <p:cNvPr id="94" name="Shape 94"/>
+          <p:cNvSpPr/>
+          <p:nvPr>
+            <p:ph idx="2" type="sldImg"/>
+          </p:nvPr>
+        </p:nvSpPr>
+        <p:spPr>
+          <a:xfrm>
+            <a:off x="381300" y="685800"/>
+            <a:ext cx="6096000" cy="3429000"/>
+          </a:xfrm>
+          <a:custGeom>
+            <a:pathLst>
+              <a:path extrusionOk="0" h="120000" w="120000">
+                <a:moveTo>
+                  <a:pt x="0" y="0"/>
+                </a:moveTo>
+                <a:lnTo>
+                  <a:pt x="120000" y="0"/>
+                </a:lnTo>
+                <a:lnTo>
+                  <a:pt x="120000" y="120000"/>
+                </a:lnTo>
+                <a:lnTo>
+                  <a:pt x="0" y="120000"/>
+                </a:lnTo>
+                <a:close/>
+              </a:path>
+            </a:pathLst>
+          </a:custGeom>
+        </p:spPr>
+      </p:sp>
+      <p:sp>
+        <p:nvSpPr>
+          <p:cNvPr id="95" name="Shape 95"/>
+          <p:cNvSpPr txBox="1"/>
+          <p:nvPr>
+            <p:ph idx="1" type="body"/>
+          </p:nvPr>
+        </p:nvSpPr>
+        <p:spPr>
+          <a:xfrm>
+            <a:off x="685800" y="4343400"/>
+            <a:ext cx="5486399" cy="4114800"/>
+          </a:xfrm>
+          <a:prstGeom prst="rect">
+            <a:avLst/>
+          </a:prstGeom>
+        </p:spPr>
+        <p:txBody>
+          <a:bodyPr anchorCtr="0" anchor="t" bIns="91425" lIns="91425" rIns="91425" tIns="91425">
+            <a:noAutofit/>
+          </a:bodyPr>
+          <a:lstStyle/>
+          <a:p>
+            <a:pPr lvl="0">
+              <a:spcBef>
+                <a:spcPts val="0"/>
+              </a:spcBef>
+              <a:buNone/>
+            </a:pPr>
+            <a:r>
+              <a:t/>
+            </a:r>
+            <a:endParaRPr/>
+          </a:p>
+        </p:txBody>
+      </p:sp>
+    </p:spTree>
+  </p:cSld>
+  <p:clrMapOvr>
+    <a:masterClrMapping/>
+  </p:clrMapOvr>
+</p:notes>
+</file>
+
+<file path=ppt/notesSlides/notesSlide6.xml><?xml version="1.0" encoding="utf-8"?>
+<p:notes xmlns:a="http://schemas.openxmlformats.org/drawingml/2006/main" xmlns:r="http://schemas.openxmlformats.org/officeDocument/2006/relationships" xmlns:mc="http://schemas.openxmlformats.org/markup-compatibility/2006" xmlns:mv="urn:schemas-microsoft-com:mac:vml" xmlns:p="http://schemas.openxmlformats.org/presentationml/2006/main" xmlns:c="http://schemas.openxmlformats.org/drawingml/2006/chart" xmlns:dgm="http://schemas.openxmlformats.org/drawingml/2006/diagram" xmlns:o="urn:schemas-microsoft-com:office:office" xmlns:v="urn:schemas-microsoft-com:vml" xmlns:pvml="urn:schemas-microsoft-com:office:powerpoint" xmlns:com="http://schemas.openxmlformats.org/drawingml/2006/compatibility" xmlns:p14="http://schemas.microsoft.com/office/powerpoint/2010/main" showMasterPhAnim="0" showMasterSp="0">
+  <p:cSld>
+    <p:spTree>
+      <p:nvGrpSpPr>
+        <p:cNvPr id="101" name="Shape 101"/>
+        <p:cNvGrpSpPr/>
+        <p:nvPr/>
+      </p:nvGrpSpPr>
+      <p:grpSpPr>
+        <a:xfrm>
+          <a:off x="0" y="0"/>
+          <a:ext cx="0" cy="0"/>
+          <a:chOff x="0" y="0"/>
+          <a:chExt cx="0" cy="0"/>
+        </a:xfrm>
+      </p:grpSpPr>
+      <p:sp>
+        <p:nvSpPr>
+          <p:cNvPr id="102" name="Shape 102"/>
+          <p:cNvSpPr/>
+          <p:nvPr>
+            <p:ph idx="2" type="sldImg"/>
+          </p:nvPr>
+        </p:nvSpPr>
+        <p:spPr>
+          <a:xfrm>
+            <a:off x="381300" y="685800"/>
+            <a:ext cx="6096000" cy="3429000"/>
+          </a:xfrm>
+          <a:custGeom>
+            <a:pathLst>
+              <a:path extrusionOk="0" h="120000" w="120000">
+                <a:moveTo>
+                  <a:pt x="0" y="0"/>
+                </a:moveTo>
+                <a:lnTo>
+                  <a:pt x="120000" y="0"/>
+                </a:lnTo>
+                <a:lnTo>
+                  <a:pt x="120000" y="120000"/>
+                </a:lnTo>
+                <a:lnTo>
+                  <a:pt x="0" y="120000"/>
+                </a:lnTo>
+                <a:close/>
+              </a:path>
+            </a:pathLst>
+          </a:custGeom>
+        </p:spPr>
+      </p:sp>
+      <p:sp>
+        <p:nvSpPr>
+          <p:cNvPr id="103" name="Shape 103"/>
+          <p:cNvSpPr txBox="1"/>
+          <p:nvPr>
+            <p:ph idx="1" type="body"/>
+          </p:nvPr>
+        </p:nvSpPr>
+        <p:spPr>
+          <a:xfrm>
+            <a:off x="685800" y="4343400"/>
+            <a:ext cx="5486399" cy="4114800"/>
+          </a:xfrm>
+          <a:prstGeom prst="rect">
+            <a:avLst/>
+          </a:prstGeom>
+        </p:spPr>
+        <p:txBody>
+          <a:bodyPr anchorCtr="0" anchor="t" bIns="91425" lIns="91425" rIns="91425" tIns="91425">
+            <a:noAutofit/>
+          </a:bodyPr>
+          <a:lstStyle/>
+          <a:p>
+            <a:pPr lvl="0">
+              <a:spcBef>
+                <a:spcPts val="0"/>
+              </a:spcBef>
+              <a:buNone/>
+            </a:pPr>
+            <a:r>
+              <a:t/>
+            </a:r>
+            <a:endParaRPr/>
+          </a:p>
+        </p:txBody>
+      </p:sp>
+    </p:spTree>
+  </p:cSld>
+  <p:clrMapOvr>
+    <a:masterClrMapping/>
+  </p:clrMapOvr>
+</p:notes>
+</file>
+
+<file path=ppt/notesSlides/notesSlide7.xml><?xml version="1.0" encoding="utf-8"?>
+<p:notes xmlns:a="http://schemas.openxmlformats.org/drawingml/2006/main" xmlns:r="http://schemas.openxmlformats.org/officeDocument/2006/relationships" xmlns:mc="http://schemas.openxmlformats.org/markup-compatibility/2006" xmlns:mv="urn:schemas-microsoft-com:mac:vml" xmlns:p="http://schemas.openxmlformats.org/presentationml/2006/main" xmlns:c="http://schemas.openxmlformats.org/drawingml/2006/chart" xmlns:dgm="http://schemas.openxmlformats.org/drawingml/2006/diagram" xmlns:o="urn:schemas-microsoft-com:office:office" xmlns:v="urn:schemas-microsoft-com:vml" xmlns:pvml="urn:schemas-microsoft-com:office:powerpoint" xmlns:com="http://schemas.openxmlformats.org/drawingml/2006/compatibility" xmlns:p14="http://schemas.microsoft.com/office/powerpoint/2010/main" showMasterPhAnim="0" showMasterSp="0">
+  <p:cSld>
+    <p:spTree>
+      <p:nvGrpSpPr>
+        <p:cNvPr id="109" name="Shape 109"/>
+        <p:cNvGrpSpPr/>
+        <p:nvPr/>
+      </p:nvGrpSpPr>
+      <p:grpSpPr>
+        <a:xfrm>
+          <a:off x="0" y="0"/>
+          <a:ext cx="0" cy="0"/>
+          <a:chOff x="0" y="0"/>
+          <a:chExt cx="0" cy="0"/>
+        </a:xfrm>
+      </p:grpSpPr>
+      <p:sp>
+        <p:nvSpPr>
+          <p:cNvPr id="110" name="Shape 110"/>
+          <p:cNvSpPr/>
+          <p:nvPr>
+            <p:ph idx="2" type="sldImg"/>
+          </p:nvPr>
+        </p:nvSpPr>
+        <p:spPr>
+          <a:xfrm>
+            <a:off x="381300" y="685800"/>
+            <a:ext cx="6096000" cy="3429000"/>
+          </a:xfrm>
+          <a:custGeom>
+            <a:pathLst>
+              <a:path extrusionOk="0" h="120000" w="120000">
+                <a:moveTo>
+                  <a:pt x="0" y="0"/>
+                </a:moveTo>
+                <a:lnTo>
+                  <a:pt x="120000" y="0"/>
+                </a:lnTo>
+                <a:lnTo>
+                  <a:pt x="120000" y="120000"/>
+                </a:lnTo>
+                <a:lnTo>
+                  <a:pt x="0" y="120000"/>
+                </a:lnTo>
+                <a:close/>
+              </a:path>
+            </a:pathLst>
+          </a:custGeom>
+        </p:spPr>
+      </p:sp>
+      <p:sp>
+        <p:nvSpPr>
+          <p:cNvPr id="111" name="Shape 111"/>
+          <p:cNvSpPr txBox="1"/>
+          <p:nvPr>
+            <p:ph idx="1" type="body"/>
+          </p:nvPr>
+        </p:nvSpPr>
+        <p:spPr>
+          <a:xfrm>
+            <a:off x="685800" y="4343400"/>
+            <a:ext cx="5486399" cy="4114800"/>
+          </a:xfrm>
+          <a:prstGeom prst="rect">
+            <a:avLst/>
+          </a:prstGeom>
+        </p:spPr>
+        <p:txBody>
+          <a:bodyPr anchorCtr="0" anchor="t" bIns="91425" lIns="91425" rIns="91425" tIns="91425">
+            <a:noAutofit/>
+          </a:bodyPr>
+          <a:lstStyle/>
+          <a:p>
+            <a:pPr lvl="0">
+              <a:spcBef>
+                <a:spcPts val="0"/>
+              </a:spcBef>
+              <a:buNone/>
+            </a:pPr>
+            <a:r>
+              <a:t/>
+            </a:r>
+            <a:endParaRPr/>
+          </a:p>
+        </p:txBody>
+      </p:sp>
+    </p:spTree>
+  </p:cSld>
+  <p:clrMapOvr>
+    <a:masterClrMapping/>
+  </p:clrMapOvr>
+</p:notes>
+</file>
+
+<file path=ppt/notesSlides/notesSlide8.xml><?xml version="1.0" encoding="utf-8"?>
+<p:notes xmlns:a="http://schemas.openxmlformats.org/drawingml/2006/main" xmlns:r="http://schemas.openxmlformats.org/officeDocument/2006/relationships" xmlns:mc="http://schemas.openxmlformats.org/markup-compatibility/2006" xmlns:mv="urn:schemas-microsoft-com:mac:vml" xmlns:p="http://schemas.openxmlformats.org/presentationml/2006/main" xmlns:c="http://schemas.openxmlformats.org/drawingml/2006/chart" xmlns:dgm="http://schemas.openxmlformats.org/drawingml/2006/diagram" xmlns:o="urn:schemas-microsoft-com:office:office" xmlns:v="urn:schemas-microsoft-com:vml" xmlns:pvml="urn:schemas-microsoft-com:office:powerpoint" xmlns:com="http://schemas.openxmlformats.org/drawingml/2006/compatibility" xmlns:p14="http://schemas.microsoft.com/office/powerpoint/2010/main" showMasterPhAnim="0" showMasterSp="0">
+  <p:cSld>
+    <p:spTree>
+      <p:nvGrpSpPr>
+        <p:cNvPr id="117" name="Shape 117"/>
+        <p:cNvGrpSpPr/>
+        <p:nvPr/>
+      </p:nvGrpSpPr>
+      <p:grpSpPr>
+        <a:xfrm>
+          <a:off x="0" y="0"/>
+          <a:ext cx="0" cy="0"/>
+          <a:chOff x="0" y="0"/>
+          <a:chExt cx="0" cy="0"/>
+        </a:xfrm>
+      </p:grpSpPr>
+      <p:sp>
+        <p:nvSpPr>
+          <p:cNvPr id="118" name="Shape 118"/>
+          <p:cNvSpPr/>
+          <p:nvPr>
+            <p:ph idx="2" type="sldImg"/>
+          </p:nvPr>
+        </p:nvSpPr>
+        <p:spPr>
+          <a:xfrm>
+            <a:off x="381300" y="685800"/>
+            <a:ext cx="6096000" cy="3429000"/>
+          </a:xfrm>
+          <a:custGeom>
+            <a:pathLst>
+              <a:path extrusionOk="0" h="120000" w="120000">
+                <a:moveTo>
+                  <a:pt x="0" y="0"/>
+                </a:moveTo>
+                <a:lnTo>
+                  <a:pt x="120000" y="0"/>
+                </a:lnTo>
+                <a:lnTo>
+                  <a:pt x="120000" y="120000"/>
+                </a:lnTo>
+                <a:lnTo>
+                  <a:pt x="0" y="120000"/>
+                </a:lnTo>
+                <a:close/>
+              </a:path>
+            </a:pathLst>
+          </a:custGeom>
+        </p:spPr>
+      </p:sp>
+      <p:sp>
+        <p:nvSpPr>
+          <p:cNvPr id="119" name="Shape 119"/>
+          <p:cNvSpPr txBox="1"/>
+          <p:nvPr>
+            <p:ph idx="1" type="body"/>
+          </p:nvPr>
+        </p:nvSpPr>
+        <p:spPr>
+          <a:xfrm>
+            <a:off x="685800" y="4343400"/>
+            <a:ext cx="5486399" cy="4114800"/>
+          </a:xfrm>
+          <a:prstGeom prst="rect">
+            <a:avLst/>
+          </a:prstGeom>
+        </p:spPr>
+        <p:txBody>
+          <a:bodyPr anchorCtr="0" anchor="t" bIns="91425" lIns="91425" rIns="91425" tIns="91425">
+            <a:noAutofit/>
+          </a:bodyPr>
+          <a:lstStyle/>
+          <a:p>
+            <a:pPr lvl="0" rtl="0">
               <a:spcBef>
                 <a:spcPts val="0"/>
               </a:spcBef>
@@ -4136,7 +4520,7 @@
     <p:sldLayoutId id="2147483657" r:id="rId10"/>
     <p:sldLayoutId id="2147483658" r:id="rId11"/>
   </p:sldLayoutIdLst>
-  <p:hf dt="0" ftr="0" hdr="0" sldNum="0"/>
+  <p:hf dt="0" ftr="0" hdr="0"/>
   <p:txStyles>
     <p:titleStyle>
       <a:defPPr lvl="0" marR="0" rtl="0" algn="l">
@@ -4682,12 +5066,40 @@
               <a:buNone/>
             </a:pPr>
             <a:r>
-              <a:rPr lang="en"/>
-              <a:t>By: Joseph Lipinski, Sarah Kushner, Zachary Lopez, Matthew Freihofer, Patrick Nwanah, Cory Cellucci</a:t>
+              <a:rPr lang="en" sz="3000"/>
+              <a:t>Meet A.D.A.M.!</a:t>
             </a:r>
           </a:p>
         </p:txBody>
       </p:sp>
+      <p:pic>
+        <p:nvPicPr>
+          <p:cNvPr id="58" name="Shape 58"/>
+          <p:cNvPicPr preferRelativeResize="0"/>
+          <p:nvPr/>
+        </p:nvPicPr>
+        <p:blipFill>
+          <a:blip r:embed="rId3">
+            <a:alphaModFix/>
+          </a:blip>
+          <a:stretch>
+            <a:fillRect/>
+          </a:stretch>
+        </p:blipFill>
+        <p:spPr>
+          <a:xfrm>
+            <a:off x="4394875" y="2585475"/>
+            <a:ext cx="596625" cy="894950"/>
+          </a:xfrm>
+          <a:prstGeom prst="rect">
+            <a:avLst/>
+          </a:prstGeom>
+          <a:noFill/>
+          <a:ln>
+            <a:noFill/>
+          </a:ln>
+        </p:spPr>
+      </p:pic>
     </p:spTree>
   </p:cSld>
   <p:clrMapOvr>
@@ -4822,7 +5234,7 @@
   <p:cSld>
     <p:spTree>
       <p:nvGrpSpPr>
-        <p:cNvPr id="61" name="Shape 61"/>
+        <p:cNvPr id="62" name="Shape 62"/>
         <p:cNvGrpSpPr/>
         <p:nvPr/>
       </p:nvGrpSpPr>
@@ -4836,7 +5248,7 @@
       </p:grpSpPr>
       <p:sp>
         <p:nvSpPr>
-          <p:cNvPr id="62" name="Shape 62"/>
+          <p:cNvPr id="63" name="Shape 63"/>
           <p:cNvSpPr txBox="1"/>
           <p:nvPr>
             <p:ph type="title"/>
@@ -4865,6 +5277,382 @@
             </a:pPr>
             <a:r>
               <a:rPr lang="en" sz="4800"/>
+              <a:t>Team Members and Roles</a:t>
+            </a:r>
+          </a:p>
+        </p:txBody>
+      </p:sp>
+      <p:sp>
+        <p:nvSpPr>
+          <p:cNvPr id="64" name="Shape 64"/>
+          <p:cNvSpPr txBox="1"/>
+          <p:nvPr>
+            <p:ph idx="1" type="body"/>
+          </p:nvPr>
+        </p:nvSpPr>
+        <p:spPr>
+          <a:xfrm>
+            <a:off x="311700" y="1228675"/>
+            <a:ext cx="8520599" cy="3340199"/>
+          </a:xfrm>
+          <a:prstGeom prst="rect">
+            <a:avLst/>
+          </a:prstGeom>
+        </p:spPr>
+        <p:txBody>
+          <a:bodyPr anchorCtr="0" anchor="t" bIns="91425" lIns="91425" rIns="91425" tIns="91425">
+            <a:noAutofit/>
+          </a:bodyPr>
+          <a:lstStyle/>
+          <a:p>
+            <a:pPr lvl="0" rtl="0">
+              <a:spcBef>
+                <a:spcPts val="0"/>
+              </a:spcBef>
+              <a:buNone/>
+            </a:pPr>
+            <a:r>
+              <a:rPr lang="en"/>
+              <a:t>Joseph Lipinski - Project Lead, Level Designer</a:t>
+            </a:r>
+          </a:p>
+          <a:p>
+            <a:pPr lvl="0" rtl="0">
+              <a:spcBef>
+                <a:spcPts val="0"/>
+              </a:spcBef>
+              <a:buNone/>
+            </a:pPr>
+            <a:r>
+              <a:rPr lang="en"/>
+              <a:t>Sarah Kushner - Game Artist</a:t>
+            </a:r>
+          </a:p>
+          <a:p>
+            <a:pPr lvl="0" rtl="0">
+              <a:spcBef>
+                <a:spcPts val="0"/>
+              </a:spcBef>
+              <a:buNone/>
+            </a:pPr>
+            <a:r>
+              <a:rPr lang="en"/>
+              <a:t>Zachary Lopez - Technical Lead</a:t>
+            </a:r>
+          </a:p>
+          <a:p>
+            <a:pPr lvl="0" rtl="0">
+              <a:spcBef>
+                <a:spcPts val="0"/>
+              </a:spcBef>
+              <a:buNone/>
+            </a:pPr>
+            <a:r>
+              <a:rPr lang="en"/>
+              <a:t>Matthew Freihofer - Physics Programmer</a:t>
+            </a:r>
+          </a:p>
+          <a:p>
+            <a:pPr lvl="0" rtl="0">
+              <a:spcBef>
+                <a:spcPts val="0"/>
+              </a:spcBef>
+              <a:buNone/>
+            </a:pPr>
+            <a:r>
+              <a:rPr lang="en"/>
+              <a:t>Patrick Nwanah - A.I. Programmer</a:t>
+            </a:r>
+          </a:p>
+          <a:p>
+            <a:pPr lvl="0">
+              <a:spcBef>
+                <a:spcPts val="0"/>
+              </a:spcBef>
+              <a:buNone/>
+            </a:pPr>
+            <a:r>
+              <a:rPr lang="en"/>
+              <a:t>Cory Cellucci - Programmer</a:t>
+            </a:r>
+          </a:p>
+        </p:txBody>
+      </p:sp>
+      <p:sp>
+        <p:nvSpPr>
+          <p:cNvPr id="65" name="Shape 65"/>
+          <p:cNvSpPr txBox="1"/>
+          <p:nvPr>
+            <p:ph idx="12" type="sldNum"/>
+          </p:nvPr>
+        </p:nvSpPr>
+        <p:spPr>
+          <a:xfrm>
+            <a:off x="8595307" y="4749891"/>
+            <a:ext cx="548699" cy="393600"/>
+          </a:xfrm>
+          <a:prstGeom prst="rect">
+            <a:avLst/>
+          </a:prstGeom>
+        </p:spPr>
+        <p:txBody>
+          <a:bodyPr anchorCtr="0" anchor="ctr" bIns="91425" lIns="91425" rIns="91425" tIns="91425">
+            <a:noAutofit/>
+          </a:bodyPr>
+          <a:lstStyle/>
+          <a:p>
+            <a:pPr lvl="0">
+              <a:spcBef>
+                <a:spcPts val="0"/>
+              </a:spcBef>
+              <a:buNone/>
+            </a:pPr>
+            <a:fld id="{00000000-1234-1234-1234-123412341234}" type="slidenum">
+              <a:rPr lang="en" sz="1800"/>
+              <a:t>‹#›</a:t>
+            </a:fld>
+          </a:p>
+        </p:txBody>
+      </p:sp>
+    </p:spTree>
+  </p:cSld>
+  <p:clrMapOvr>
+    <a:masterClrMapping/>
+  </p:clrMapOvr>
+  <p:transition spd="slow">
+    <p:cut/>
+  </p:transition>
+  <p:timing>
+    <p:tnLst>
+      <p:par>
+        <p:cTn dur="indefinite" nodeType="tmRoot" restart="never">
+          <p:childTnLst>
+            <p:seq concurrent="1" nextAc="seek">
+              <p:cTn dur="indefinite" id="2" nodeType="mainSeq">
+                <p:childTnLst>
+                  <p:par>
+                    <p:cTn fill="hold">
+                      <p:stCondLst>
+                        <p:cond delay="indefinite"/>
+                      </p:stCondLst>
+                      <p:childTnLst>
+                        <p:par>
+                          <p:cTn fill="hold">
+                            <p:stCondLst>
+                              <p:cond delay="0"/>
+                            </p:stCondLst>
+                            <p:childTnLst>
+                              <p:par>
+                                <p:cTn fill="hold" nodeType="clickEffect" presetClass="entr" presetID="2" presetSubtype="1">
+                                  <p:stCondLst>
+                                    <p:cond delay="0"/>
+                                  </p:stCondLst>
+                                  <p:childTnLst>
+                                    <p:set>
+                                      <p:cBhvr>
+                                        <p:cTn dur="1" fill="hold">
+                                          <p:stCondLst>
+                                            <p:cond delay="0"/>
+                                          </p:stCondLst>
+                                        </p:cTn>
+                                        <p:tgtEl>
+                                          <p:spTgt spid="63"/>
+                                        </p:tgtEl>
+                                        <p:attrNameLst>
+                                          <p:attrName>style.visibility</p:attrName>
+                                        </p:attrNameLst>
+                                      </p:cBhvr>
+                                      <p:to>
+                                        <p:strVal val="visible"/>
+                                      </p:to>
+                                    </p:set>
+                                    <p:anim calcmode="lin" valueType="num">
+                                      <p:cBhvr additive="base">
+                                        <p:cTn dur="1000"/>
+                                        <p:tgtEl>
+                                          <p:spTgt spid="63"/>
+                                        </p:tgtEl>
+                                        <p:attrNameLst>
+                                          <p:attrName>ppt_y</p:attrName>
+                                        </p:attrNameLst>
+                                      </p:cBhvr>
+                                      <p:tavLst>
+                                        <p:tav fmla="" tm="0">
+                                          <p:val>
+                                            <p:strVal val="#ppt_y-1"/>
+                                          </p:val>
+                                        </p:tav>
+                                        <p:tav fmla="" tm="100000">
+                                          <p:val>
+                                            <p:strVal val="#ppt_y"/>
+                                          </p:val>
+                                        </p:tav>
+                                      </p:tavLst>
+                                    </p:anim>
+                                  </p:childTnLst>
+                                </p:cTn>
+                              </p:par>
+                            </p:childTnLst>
+                          </p:cTn>
+                        </p:par>
+                        <p:par>
+                          <p:cTn fill="hold">
+                            <p:stCondLst>
+                              <p:cond delay="1000"/>
+                            </p:stCondLst>
+                            <p:childTnLst>
+                              <p:par>
+                                <p:cTn fill="hold" nodeType="afterEffect" presetClass="entr" presetID="23" presetSubtype="16">
+                                  <p:stCondLst>
+                                    <p:cond delay="0"/>
+                                  </p:stCondLst>
+                                  <p:childTnLst>
+                                    <p:set>
+                                      <p:cBhvr>
+                                        <p:cTn dur="1" fill="hold">
+                                          <p:stCondLst>
+                                            <p:cond delay="0"/>
+                                          </p:stCondLst>
+                                        </p:cTn>
+                                        <p:tgtEl>
+                                          <p:spTgt spid="64"/>
+                                        </p:tgtEl>
+                                        <p:attrNameLst>
+                                          <p:attrName>style.visibility</p:attrName>
+                                        </p:attrNameLst>
+                                      </p:cBhvr>
+                                      <p:to>
+                                        <p:strVal val="visible"/>
+                                      </p:to>
+                                    </p:set>
+                                    <p:anim calcmode="lin" valueType="num">
+                                      <p:cBhvr additive="base">
+                                        <p:cTn dur="1500"/>
+                                        <p:tgtEl>
+                                          <p:spTgt spid="64"/>
+                                        </p:tgtEl>
+                                        <p:attrNameLst>
+                                          <p:attrName>ppt_w</p:attrName>
+                                        </p:attrNameLst>
+                                      </p:cBhvr>
+                                      <p:tavLst>
+                                        <p:tav fmla="" tm="0">
+                                          <p:val>
+                                            <p:strVal val="0"/>
+                                          </p:val>
+                                        </p:tav>
+                                        <p:tav fmla="" tm="100000">
+                                          <p:val>
+                                            <p:strVal val="#ppt_w"/>
+                                          </p:val>
+                                        </p:tav>
+                                      </p:tavLst>
+                                    </p:anim>
+                                    <p:anim calcmode="lin" valueType="num">
+                                      <p:cBhvr additive="base">
+                                        <p:cTn dur="1500"/>
+                                        <p:tgtEl>
+                                          <p:spTgt spid="64"/>
+                                        </p:tgtEl>
+                                        <p:attrNameLst>
+                                          <p:attrName>ppt_h</p:attrName>
+                                        </p:attrNameLst>
+                                      </p:cBhvr>
+                                      <p:tavLst>
+                                        <p:tav fmla="" tm="0">
+                                          <p:val>
+                                            <p:strVal val="0"/>
+                                          </p:val>
+                                        </p:tav>
+                                        <p:tav fmla="" tm="100000">
+                                          <p:val>
+                                            <p:strVal val="#ppt_h"/>
+                                          </p:val>
+                                        </p:tav>
+                                      </p:tavLst>
+                                    </p:anim>
+                                  </p:childTnLst>
+                                </p:cTn>
+                              </p:par>
+                            </p:childTnLst>
+                          </p:cTn>
+                        </p:par>
+                      </p:childTnLst>
+                    </p:cTn>
+                  </p:par>
+                </p:childTnLst>
+              </p:cTn>
+              <p:prevCondLst>
+                <p:cond evt="onPrev">
+                  <p:tgtEl>
+                    <p:sldTgt/>
+                  </p:tgtEl>
+                </p:cond>
+              </p:prevCondLst>
+              <p:nextCondLst>
+                <p:cond evt="onNext">
+                  <p:tgtEl>
+                    <p:sldTgt/>
+                  </p:tgtEl>
+                </p:cond>
+              </p:nextCondLst>
+            </p:seq>
+          </p:childTnLst>
+        </p:cTn>
+      </p:par>
+    </p:tnLst>
+  </p:timing>
+</p:sld>
+</file>
+
+<file path=ppt/slides/slide2.xml><?xml version="1.0" encoding="utf-8"?>
+<p:sld xmlns:a="http://schemas.openxmlformats.org/drawingml/2006/main" xmlns:r="http://schemas.openxmlformats.org/officeDocument/2006/relationships" xmlns:mc="http://schemas.openxmlformats.org/markup-compatibility/2006" xmlns:mv="urn:schemas-microsoft-com:mac:vml" xmlns:p="http://schemas.openxmlformats.org/presentationml/2006/main" xmlns:c="http://schemas.openxmlformats.org/drawingml/2006/chart" xmlns:dgm="http://schemas.openxmlformats.org/drawingml/2006/diagram" xmlns:o="urn:schemas-microsoft-com:office:office" xmlns:v="urn:schemas-microsoft-com:vml" xmlns:pvml="urn:schemas-microsoft-com:office:powerpoint" xmlns:com="http://schemas.openxmlformats.org/drawingml/2006/compatibility" xmlns:p14="http://schemas.microsoft.com/office/powerpoint/2010/main">
+  <p:cSld>
+    <p:spTree>
+      <p:nvGrpSpPr>
+        <p:cNvPr id="69" name="Shape 69"/>
+        <p:cNvGrpSpPr/>
+        <p:nvPr/>
+      </p:nvGrpSpPr>
+      <p:grpSpPr>
+        <a:xfrm>
+          <a:off x="0" y="0"/>
+          <a:ext cx="0" cy="0"/>
+          <a:chOff x="0" y="0"/>
+          <a:chExt cx="0" cy="0"/>
+        </a:xfrm>
+      </p:grpSpPr>
+      <p:sp>
+        <p:nvSpPr>
+          <p:cNvPr id="70" name="Shape 70"/>
+          <p:cNvSpPr txBox="1"/>
+          <p:nvPr>
+            <p:ph type="title"/>
+          </p:nvPr>
+        </p:nvSpPr>
+        <p:spPr>
+          <a:xfrm>
+            <a:off x="311700" y="292850"/>
+            <a:ext cx="8520599" cy="800999"/>
+          </a:xfrm>
+          <a:prstGeom prst="rect">
+            <a:avLst/>
+          </a:prstGeom>
+        </p:spPr>
+        <p:txBody>
+          <a:bodyPr anchorCtr="0" anchor="t" bIns="91425" lIns="91425" rIns="91425" tIns="91425">
+            <a:noAutofit/>
+          </a:bodyPr>
+          <a:lstStyle/>
+          <a:p>
+            <a:pPr lvl="0">
+              <a:spcBef>
+                <a:spcPts val="0"/>
+              </a:spcBef>
+              <a:buNone/>
+            </a:pPr>
+            <a:r>
+              <a:rPr lang="en" sz="4800"/>
               <a:t>Problem to be addressed </a:t>
             </a:r>
           </a:p>
@@ -4872,7 +5660,7 @@
       </p:sp>
       <p:sp>
         <p:nvSpPr>
-          <p:cNvPr id="63" name="Shape 63"/>
+          <p:cNvPr id="71" name="Shape 71"/>
           <p:cNvSpPr txBox="1"/>
           <p:nvPr>
             <p:ph idx="1" type="body"/>
@@ -4932,7 +5720,7 @@
       </p:sp>
       <p:sp>
         <p:nvSpPr>
-          <p:cNvPr id="64" name="Shape 64"/>
+          <p:cNvPr id="72" name="Shape 72"/>
           <p:cNvSpPr txBox="1"/>
           <p:nvPr/>
         </p:nvSpPr>
@@ -4979,6 +5767,42 @@
               </a:rPr>
               <a:t>Instead of being bored, why not play our game!</a:t>
             </a:r>
+          </a:p>
+        </p:txBody>
+      </p:sp>
+      <p:sp>
+        <p:nvSpPr>
+          <p:cNvPr id="73" name="Shape 73"/>
+          <p:cNvSpPr txBox="1"/>
+          <p:nvPr>
+            <p:ph idx="12" type="sldNum"/>
+          </p:nvPr>
+        </p:nvSpPr>
+        <p:spPr>
+          <a:xfrm>
+            <a:off x="8595307" y="4749891"/>
+            <a:ext cx="548699" cy="393600"/>
+          </a:xfrm>
+          <a:prstGeom prst="rect">
+            <a:avLst/>
+          </a:prstGeom>
+        </p:spPr>
+        <p:txBody>
+          <a:bodyPr anchorCtr="0" anchor="ctr" bIns="91425" lIns="91425" rIns="91425" tIns="91425">
+            <a:noAutofit/>
+          </a:bodyPr>
+          <a:lstStyle/>
+          <a:p>
+            <a:pPr lvl="0">
+              <a:spcBef>
+                <a:spcPts val="0"/>
+              </a:spcBef>
+              <a:buNone/>
+            </a:pPr>
+            <a:fld id="{00000000-1234-1234-1234-123412341234}" type="slidenum">
+              <a:rPr lang="en" sz="1800"/>
+              <a:t>‹#›</a:t>
+            </a:fld>
           </a:p>
         </p:txBody>
       </p:sp>
@@ -5024,7 +5848,7 @@
                                           </p:stCondLst>
                                         </p:cTn>
                                         <p:tgtEl>
-                                          <p:spTgt spid="62"/>
+                                          <p:spTgt spid="70"/>
                                         </p:tgtEl>
                                         <p:attrNameLst>
                                           <p:attrName>style.visibility</p:attrName>
@@ -5038,7 +5862,7 @@
                                       <p:cBhvr additive="base">
                                         <p:cTn dur="1400"/>
                                         <p:tgtEl>
-                                          <p:spTgt spid="62"/>
+                                          <p:spTgt spid="70"/>
                                         </p:tgtEl>
                                         <p:attrNameLst>
                                           <p:attrName>ppt_x</p:attrName>
@@ -5083,7 +5907,7 @@
                                           </p:stCondLst>
                                         </p:cTn>
                                         <p:tgtEl>
-                                          <p:spTgt spid="63"/>
+                                          <p:spTgt spid="71"/>
                                         </p:tgtEl>
                                         <p:attrNameLst>
                                           <p:attrName>style.visibility</p:attrName>
@@ -5097,7 +5921,7 @@
                                       <p:cBhvr additive="base">
                                         <p:cTn dur="2600"/>
                                         <p:tgtEl>
-                                          <p:spTgt spid="63"/>
+                                          <p:spTgt spid="71"/>
                                         </p:tgtEl>
                                         <p:attrNameLst>
                                           <p:attrName>ppt_x</p:attrName>
@@ -5151,7 +5975,7 @@
                                           </p:stCondLst>
                                         </p:cTn>
                                         <p:tgtEl>
-                                          <p:spTgt spid="64"/>
+                                          <p:spTgt spid="72"/>
                                         </p:tgtEl>
                                         <p:attrNameLst>
                                           <p:attrName>style.visibility</p:attrName>
@@ -5165,7 +5989,7 @@
                                       <p:cBhvr additive="base">
                                         <p:cTn dur="1500"/>
                                         <p:tgtEl>
-                                          <p:spTgt spid="64"/>
+                                          <p:spTgt spid="72"/>
                                         </p:tgtEl>
                                         <p:attrNameLst>
                                           <p:attrName>ppt_y</p:attrName>
@@ -5218,12 +6042,12 @@
 </p:sld>
 </file>
 
-<file path=ppt/slides/slide2.xml><?xml version="1.0" encoding="utf-8"?>
+<file path=ppt/slides/slide3.xml><?xml version="1.0" encoding="utf-8"?>
 <p:sld xmlns:a="http://schemas.openxmlformats.org/drawingml/2006/main" xmlns:r="http://schemas.openxmlformats.org/officeDocument/2006/relationships" xmlns:mc="http://schemas.openxmlformats.org/markup-compatibility/2006" xmlns:mv="urn:schemas-microsoft-com:mac:vml" xmlns:p="http://schemas.openxmlformats.org/presentationml/2006/main" xmlns:c="http://schemas.openxmlformats.org/drawingml/2006/chart" xmlns:dgm="http://schemas.openxmlformats.org/drawingml/2006/diagram" xmlns:o="urn:schemas-microsoft-com:office:office" xmlns:v="urn:schemas-microsoft-com:vml" xmlns:pvml="urn:schemas-microsoft-com:office:powerpoint" xmlns:com="http://schemas.openxmlformats.org/drawingml/2006/compatibility" xmlns:p14="http://schemas.microsoft.com/office/powerpoint/2010/main">
   <p:cSld>
     <p:spTree>
       <p:nvGrpSpPr>
-        <p:cNvPr id="68" name="Shape 68"/>
+        <p:cNvPr id="77" name="Shape 77"/>
         <p:cNvGrpSpPr/>
         <p:nvPr/>
       </p:nvGrpSpPr>
@@ -5237,7 +6061,7 @@
       </p:grpSpPr>
       <p:sp>
         <p:nvSpPr>
-          <p:cNvPr id="69" name="Shape 69"/>
+          <p:cNvPr id="78" name="Shape 78"/>
           <p:cNvSpPr txBox="1"/>
           <p:nvPr>
             <p:ph type="title"/>
@@ -5266,346 +6090,6 @@
             </a:pPr>
             <a:r>
               <a:rPr lang="en" sz="4800"/>
-              <a:t>Team Members</a:t>
-            </a:r>
-          </a:p>
-        </p:txBody>
-      </p:sp>
-      <p:sp>
-        <p:nvSpPr>
-          <p:cNvPr id="70" name="Shape 70"/>
-          <p:cNvSpPr txBox="1"/>
-          <p:nvPr>
-            <p:ph idx="1" type="body"/>
-          </p:nvPr>
-        </p:nvSpPr>
-        <p:spPr>
-          <a:xfrm>
-            <a:off x="311700" y="1228675"/>
-            <a:ext cx="8520599" cy="3340199"/>
-          </a:xfrm>
-          <a:prstGeom prst="rect">
-            <a:avLst/>
-          </a:prstGeom>
-        </p:spPr>
-        <p:txBody>
-          <a:bodyPr anchorCtr="0" anchor="t" bIns="91425" lIns="91425" rIns="91425" tIns="91425">
-            <a:noAutofit/>
-          </a:bodyPr>
-          <a:lstStyle/>
-          <a:p>
-            <a:pPr lvl="0" rtl="0">
-              <a:spcBef>
-                <a:spcPts val="0"/>
-              </a:spcBef>
-              <a:buNone/>
-            </a:pPr>
-            <a:r>
-              <a:rPr lang="en"/>
-              <a:t>Joseph Lipinski - Project Lead, Level Designer</a:t>
-            </a:r>
-          </a:p>
-          <a:p>
-            <a:pPr lvl="0" rtl="0">
-              <a:spcBef>
-                <a:spcPts val="0"/>
-              </a:spcBef>
-              <a:buNone/>
-            </a:pPr>
-            <a:r>
-              <a:rPr lang="en"/>
-              <a:t>Sarah Kushner - Game Artist</a:t>
-            </a:r>
-          </a:p>
-          <a:p>
-            <a:pPr lvl="0" rtl="0">
-              <a:spcBef>
-                <a:spcPts val="0"/>
-              </a:spcBef>
-              <a:buNone/>
-            </a:pPr>
-            <a:r>
-              <a:rPr lang="en"/>
-              <a:t>Zachary Lopez - Technical Lead</a:t>
-            </a:r>
-          </a:p>
-          <a:p>
-            <a:pPr lvl="0" rtl="0">
-              <a:spcBef>
-                <a:spcPts val="0"/>
-              </a:spcBef>
-              <a:buNone/>
-            </a:pPr>
-            <a:r>
-              <a:rPr lang="en"/>
-              <a:t>Matthew Freihofer - Physics Programmer</a:t>
-            </a:r>
-          </a:p>
-          <a:p>
-            <a:pPr lvl="0" rtl="0">
-              <a:spcBef>
-                <a:spcPts val="0"/>
-              </a:spcBef>
-              <a:buNone/>
-            </a:pPr>
-            <a:r>
-              <a:rPr lang="en"/>
-              <a:t>Patrick Nwanah - A.I. Programmer</a:t>
-            </a:r>
-          </a:p>
-          <a:p>
-            <a:pPr lvl="0">
-              <a:spcBef>
-                <a:spcPts val="0"/>
-              </a:spcBef>
-              <a:buNone/>
-            </a:pPr>
-            <a:r>
-              <a:rPr lang="en"/>
-              <a:t>Cory Cellucci - Programmer</a:t>
-            </a:r>
-          </a:p>
-        </p:txBody>
-      </p:sp>
-    </p:spTree>
-  </p:cSld>
-  <p:clrMapOvr>
-    <a:masterClrMapping/>
-  </p:clrMapOvr>
-  <p:transition spd="slow">
-    <p:cut/>
-  </p:transition>
-  <p:timing>
-    <p:tnLst>
-      <p:par>
-        <p:cTn dur="indefinite" nodeType="tmRoot" restart="never">
-          <p:childTnLst>
-            <p:seq concurrent="1" nextAc="seek">
-              <p:cTn dur="indefinite" id="2" nodeType="mainSeq">
-                <p:childTnLst>
-                  <p:par>
-                    <p:cTn fill="hold">
-                      <p:stCondLst>
-                        <p:cond delay="indefinite"/>
-                      </p:stCondLst>
-                      <p:childTnLst>
-                        <p:par>
-                          <p:cTn fill="hold">
-                            <p:stCondLst>
-                              <p:cond delay="0"/>
-                            </p:stCondLst>
-                            <p:childTnLst>
-                              <p:par>
-                                <p:cTn fill="hold" nodeType="clickEffect" presetClass="entr" presetID="2" presetSubtype="1">
-                                  <p:stCondLst>
-                                    <p:cond delay="0"/>
-                                  </p:stCondLst>
-                                  <p:childTnLst>
-                                    <p:set>
-                                      <p:cBhvr>
-                                        <p:cTn dur="1" fill="hold">
-                                          <p:stCondLst>
-                                            <p:cond delay="0"/>
-                                          </p:stCondLst>
-                                        </p:cTn>
-                                        <p:tgtEl>
-                                          <p:spTgt spid="69"/>
-                                        </p:tgtEl>
-                                        <p:attrNameLst>
-                                          <p:attrName>style.visibility</p:attrName>
-                                        </p:attrNameLst>
-                                      </p:cBhvr>
-                                      <p:to>
-                                        <p:strVal val="visible"/>
-                                      </p:to>
-                                    </p:set>
-                                    <p:anim calcmode="lin" valueType="num">
-                                      <p:cBhvr additive="base">
-                                        <p:cTn dur="1000"/>
-                                        <p:tgtEl>
-                                          <p:spTgt spid="69"/>
-                                        </p:tgtEl>
-                                        <p:attrNameLst>
-                                          <p:attrName>ppt_y</p:attrName>
-                                        </p:attrNameLst>
-                                      </p:cBhvr>
-                                      <p:tavLst>
-                                        <p:tav fmla="" tm="0">
-                                          <p:val>
-                                            <p:strVal val="#ppt_y-1"/>
-                                          </p:val>
-                                        </p:tav>
-                                        <p:tav fmla="" tm="100000">
-                                          <p:val>
-                                            <p:strVal val="#ppt_y"/>
-                                          </p:val>
-                                        </p:tav>
-                                      </p:tavLst>
-                                    </p:anim>
-                                  </p:childTnLst>
-                                </p:cTn>
-                              </p:par>
-                            </p:childTnLst>
-                          </p:cTn>
-                        </p:par>
-                        <p:par>
-                          <p:cTn fill="hold">
-                            <p:stCondLst>
-                              <p:cond delay="1000"/>
-                            </p:stCondLst>
-                            <p:childTnLst>
-                              <p:par>
-                                <p:cTn fill="hold" nodeType="afterEffect" presetClass="entr" presetID="23" presetSubtype="16">
-                                  <p:stCondLst>
-                                    <p:cond delay="0"/>
-                                  </p:stCondLst>
-                                  <p:childTnLst>
-                                    <p:set>
-                                      <p:cBhvr>
-                                        <p:cTn dur="1" fill="hold">
-                                          <p:stCondLst>
-                                            <p:cond delay="0"/>
-                                          </p:stCondLst>
-                                        </p:cTn>
-                                        <p:tgtEl>
-                                          <p:spTgt spid="70"/>
-                                        </p:tgtEl>
-                                        <p:attrNameLst>
-                                          <p:attrName>style.visibility</p:attrName>
-                                        </p:attrNameLst>
-                                      </p:cBhvr>
-                                      <p:to>
-                                        <p:strVal val="visible"/>
-                                      </p:to>
-                                    </p:set>
-                                    <p:anim calcmode="lin" valueType="num">
-                                      <p:cBhvr additive="base">
-                                        <p:cTn dur="1500"/>
-                                        <p:tgtEl>
-                                          <p:spTgt spid="70"/>
-                                        </p:tgtEl>
-                                        <p:attrNameLst>
-                                          <p:attrName>ppt_w</p:attrName>
-                                        </p:attrNameLst>
-                                      </p:cBhvr>
-                                      <p:tavLst>
-                                        <p:tav fmla="" tm="0">
-                                          <p:val>
-                                            <p:strVal val="0"/>
-                                          </p:val>
-                                        </p:tav>
-                                        <p:tav fmla="" tm="100000">
-                                          <p:val>
-                                            <p:strVal val="#ppt_w"/>
-                                          </p:val>
-                                        </p:tav>
-                                      </p:tavLst>
-                                    </p:anim>
-                                    <p:anim calcmode="lin" valueType="num">
-                                      <p:cBhvr additive="base">
-                                        <p:cTn dur="1500"/>
-                                        <p:tgtEl>
-                                          <p:spTgt spid="70"/>
-                                        </p:tgtEl>
-                                        <p:attrNameLst>
-                                          <p:attrName>ppt_h</p:attrName>
-                                        </p:attrNameLst>
-                                      </p:cBhvr>
-                                      <p:tavLst>
-                                        <p:tav fmla="" tm="0">
-                                          <p:val>
-                                            <p:strVal val="0"/>
-                                          </p:val>
-                                        </p:tav>
-                                        <p:tav fmla="" tm="100000">
-                                          <p:val>
-                                            <p:strVal val="#ppt_h"/>
-                                          </p:val>
-                                        </p:tav>
-                                      </p:tavLst>
-                                    </p:anim>
-                                  </p:childTnLst>
-                                </p:cTn>
-                              </p:par>
-                            </p:childTnLst>
-                          </p:cTn>
-                        </p:par>
-                      </p:childTnLst>
-                    </p:cTn>
-                  </p:par>
-                </p:childTnLst>
-              </p:cTn>
-              <p:prevCondLst>
-                <p:cond evt="onPrev">
-                  <p:tgtEl>
-                    <p:sldTgt/>
-                  </p:tgtEl>
-                </p:cond>
-              </p:prevCondLst>
-              <p:nextCondLst>
-                <p:cond evt="onNext">
-                  <p:tgtEl>
-                    <p:sldTgt/>
-                  </p:tgtEl>
-                </p:cond>
-              </p:nextCondLst>
-            </p:seq>
-          </p:childTnLst>
-        </p:cTn>
-      </p:par>
-    </p:tnLst>
-  </p:timing>
-</p:sld>
-</file>
-
-<file path=ppt/slides/slide3.xml><?xml version="1.0" encoding="utf-8"?>
-<p:sld xmlns:a="http://schemas.openxmlformats.org/drawingml/2006/main" xmlns:r="http://schemas.openxmlformats.org/officeDocument/2006/relationships" xmlns:mc="http://schemas.openxmlformats.org/markup-compatibility/2006" xmlns:mv="urn:schemas-microsoft-com:mac:vml" xmlns:p="http://schemas.openxmlformats.org/presentationml/2006/main" xmlns:c="http://schemas.openxmlformats.org/drawingml/2006/chart" xmlns:dgm="http://schemas.openxmlformats.org/drawingml/2006/diagram" xmlns:o="urn:schemas-microsoft-com:office:office" xmlns:v="urn:schemas-microsoft-com:vml" xmlns:pvml="urn:schemas-microsoft-com:office:powerpoint" xmlns:com="http://schemas.openxmlformats.org/drawingml/2006/compatibility" xmlns:p14="http://schemas.microsoft.com/office/powerpoint/2010/main">
-  <p:cSld>
-    <p:spTree>
-      <p:nvGrpSpPr>
-        <p:cNvPr id="74" name="Shape 74"/>
-        <p:cNvGrpSpPr/>
-        <p:nvPr/>
-      </p:nvGrpSpPr>
-      <p:grpSpPr>
-        <a:xfrm>
-          <a:off x="0" y="0"/>
-          <a:ext cx="0" cy="0"/>
-          <a:chOff x="0" y="0"/>
-          <a:chExt cx="0" cy="0"/>
-        </a:xfrm>
-      </p:grpSpPr>
-      <p:sp>
-        <p:nvSpPr>
-          <p:cNvPr id="75" name="Shape 75"/>
-          <p:cNvSpPr txBox="1"/>
-          <p:nvPr>
-            <p:ph type="title"/>
-          </p:nvPr>
-        </p:nvSpPr>
-        <p:spPr>
-          <a:xfrm>
-            <a:off x="311700" y="292850"/>
-            <a:ext cx="8520599" cy="800999"/>
-          </a:xfrm>
-          <a:prstGeom prst="rect">
-            <a:avLst/>
-          </a:prstGeom>
-        </p:spPr>
-        <p:txBody>
-          <a:bodyPr anchorCtr="0" anchor="t" bIns="91425" lIns="91425" rIns="91425" tIns="91425">
-            <a:noAutofit/>
-          </a:bodyPr>
-          <a:lstStyle/>
-          <a:p>
-            <a:pPr lvl="0">
-              <a:spcBef>
-                <a:spcPts val="0"/>
-              </a:spcBef>
-              <a:buNone/>
-            </a:pPr>
-            <a:r>
-              <a:rPr lang="en" sz="4800"/>
               <a:t>What to expect from our game?</a:t>
             </a:r>
           </a:p>
@@ -5613,7 +6097,7 @@
       </p:sp>
       <p:sp>
         <p:nvSpPr>
-          <p:cNvPr id="76" name="Shape 76"/>
+          <p:cNvPr id="79" name="Shape 79"/>
           <p:cNvSpPr txBox="1"/>
           <p:nvPr>
             <p:ph idx="1" type="body"/>
@@ -5648,7 +6132,7 @@
       </p:sp>
       <p:sp>
         <p:nvSpPr>
-          <p:cNvPr id="77" name="Shape 77"/>
+          <p:cNvPr id="80" name="Shape 80"/>
           <p:cNvSpPr txBox="1"/>
           <p:nvPr>
             <p:ph idx="1" type="body"/>
@@ -5683,7 +6167,7 @@
       </p:sp>
       <p:sp>
         <p:nvSpPr>
-          <p:cNvPr id="78" name="Shape 78"/>
+          <p:cNvPr id="81" name="Shape 81"/>
           <p:cNvSpPr txBox="1"/>
           <p:nvPr>
             <p:ph idx="1" type="body"/>
@@ -5718,7 +6202,7 @@
       </p:sp>
       <p:sp>
         <p:nvSpPr>
-          <p:cNvPr id="79" name="Shape 79"/>
+          <p:cNvPr id="82" name="Shape 82"/>
           <p:cNvSpPr txBox="1"/>
           <p:nvPr>
             <p:ph idx="1" type="body"/>
@@ -5746,14 +6230,14 @@
             </a:pPr>
             <a:r>
               <a:rPr lang="en"/>
-              <a:t>Powerups to aid in platforming and combat</a:t>
+              <a:t>2D platforming and side-scrolling shooting</a:t>
             </a:r>
           </a:p>
         </p:txBody>
       </p:sp>
       <p:sp>
         <p:nvSpPr>
-          <p:cNvPr id="80" name="Shape 80"/>
+          <p:cNvPr id="83" name="Shape 83"/>
           <p:cNvSpPr txBox="1"/>
           <p:nvPr>
             <p:ph idx="1" type="body"/>
@@ -5788,7 +6272,7 @@
       </p:sp>
       <p:sp>
         <p:nvSpPr>
-          <p:cNvPr id="81" name="Shape 81"/>
+          <p:cNvPr id="84" name="Shape 84"/>
           <p:cNvSpPr txBox="1"/>
           <p:nvPr>
             <p:ph idx="1" type="body"/>
@@ -5818,6 +6302,42 @@
               <a:rPr lang="en"/>
               <a:t>Scoring system</a:t>
             </a:r>
+          </a:p>
+        </p:txBody>
+      </p:sp>
+      <p:sp>
+        <p:nvSpPr>
+          <p:cNvPr id="85" name="Shape 85"/>
+          <p:cNvSpPr txBox="1"/>
+          <p:nvPr>
+            <p:ph idx="12" type="sldNum"/>
+          </p:nvPr>
+        </p:nvSpPr>
+        <p:spPr>
+          <a:xfrm>
+            <a:off x="8595307" y="4767641"/>
+            <a:ext cx="548699" cy="393600"/>
+          </a:xfrm>
+          <a:prstGeom prst="rect">
+            <a:avLst/>
+          </a:prstGeom>
+        </p:spPr>
+        <p:txBody>
+          <a:bodyPr anchorCtr="0" anchor="ctr" bIns="91425" lIns="91425" rIns="91425" tIns="91425">
+            <a:noAutofit/>
+          </a:bodyPr>
+          <a:lstStyle/>
+          <a:p>
+            <a:pPr lvl="0">
+              <a:spcBef>
+                <a:spcPts val="0"/>
+              </a:spcBef>
+              <a:buNone/>
+            </a:pPr>
+            <a:fld id="{00000000-1234-1234-1234-123412341234}" type="slidenum">
+              <a:rPr lang="en" sz="1800"/>
+              <a:t>‹#›</a:t>
+            </a:fld>
           </a:p>
         </p:txBody>
       </p:sp>
@@ -5863,7 +6383,7 @@
                                           </p:stCondLst>
                                         </p:cTn>
                                         <p:tgtEl>
-                                          <p:spTgt spid="75"/>
+                                          <p:spTgt spid="78"/>
                                         </p:tgtEl>
                                         <p:attrNameLst>
                                           <p:attrName>style.visibility</p:attrName>
@@ -5877,214 +6397,10 @@
                                       <p:cBhvr>
                                         <p:cTn dur="1000"/>
                                         <p:tgtEl>
-                                          <p:spTgt spid="75"/>
+                                          <p:spTgt spid="78"/>
                                         </p:tgtEl>
                                       </p:cBhvr>
                                     </p:animEffect>
-                                  </p:childTnLst>
-                                </p:cTn>
-                              </p:par>
-                            </p:childTnLst>
-                          </p:cTn>
-                        </p:par>
-                      </p:childTnLst>
-                    </p:cTn>
-                  </p:par>
-                  <p:par>
-                    <p:cTn fill="hold">
-                      <p:stCondLst>
-                        <p:cond delay="indefinite"/>
-                      </p:stCondLst>
-                      <p:childTnLst>
-                        <p:par>
-                          <p:cTn fill="hold">
-                            <p:stCondLst>
-                              <p:cond delay="0"/>
-                            </p:stCondLst>
-                            <p:childTnLst>
-                              <p:par>
-                                <p:cTn fill="hold" nodeType="clickEffect" presetClass="entr" presetID="2" presetSubtype="4">
-                                  <p:stCondLst>
-                                    <p:cond delay="0"/>
-                                  </p:stCondLst>
-                                  <p:childTnLst>
-                                    <p:set>
-                                      <p:cBhvr>
-                                        <p:cTn dur="1" fill="hold">
-                                          <p:stCondLst>
-                                            <p:cond delay="0"/>
-                                          </p:stCondLst>
-                                        </p:cTn>
-                                        <p:tgtEl>
-                                          <p:spTgt spid="76"/>
-                                        </p:tgtEl>
-                                        <p:attrNameLst>
-                                          <p:attrName>style.visibility</p:attrName>
-                                        </p:attrNameLst>
-                                      </p:cBhvr>
-                                      <p:to>
-                                        <p:strVal val="visible"/>
-                                      </p:to>
-                                    </p:set>
-                                    <p:anim calcmode="lin" valueType="num">
-                                      <p:cBhvr additive="base">
-                                        <p:cTn dur="1000"/>
-                                        <p:tgtEl>
-                                          <p:spTgt spid="76"/>
-                                        </p:tgtEl>
-                                        <p:attrNameLst>
-                                          <p:attrName>ppt_y</p:attrName>
-                                        </p:attrNameLst>
-                                      </p:cBhvr>
-                                      <p:tavLst>
-                                        <p:tav fmla="" tm="0">
-                                          <p:val>
-                                            <p:strVal val="#ppt_y+1"/>
-                                          </p:val>
-                                        </p:tav>
-                                        <p:tav fmla="" tm="100000">
-                                          <p:val>
-                                            <p:strVal val="#ppt_y"/>
-                                          </p:val>
-                                        </p:tav>
-                                      </p:tavLst>
-                                    </p:anim>
-                                  </p:childTnLst>
-                                </p:cTn>
-                              </p:par>
-                            </p:childTnLst>
-                          </p:cTn>
-                        </p:par>
-                      </p:childTnLst>
-                    </p:cTn>
-                  </p:par>
-                  <p:par>
-                    <p:cTn fill="hold">
-                      <p:stCondLst>
-                        <p:cond delay="indefinite"/>
-                      </p:stCondLst>
-                      <p:childTnLst>
-                        <p:par>
-                          <p:cTn fill="hold">
-                            <p:stCondLst>
-                              <p:cond delay="0"/>
-                            </p:stCondLst>
-                            <p:childTnLst>
-                              <p:par>
-                                <p:cTn fill="hold" nodeType="clickEffect" presetClass="entr" presetID="2" presetSubtype="4">
-                                  <p:stCondLst>
-                                    <p:cond delay="0"/>
-                                  </p:stCondLst>
-                                  <p:childTnLst>
-                                    <p:set>
-                                      <p:cBhvr>
-                                        <p:cTn dur="1" fill="hold">
-                                          <p:stCondLst>
-                                            <p:cond delay="0"/>
-                                          </p:stCondLst>
-                                        </p:cTn>
-                                        <p:tgtEl>
-                                          <p:spTgt spid="77"/>
-                                        </p:tgtEl>
-                                        <p:attrNameLst>
-                                          <p:attrName>style.visibility</p:attrName>
-                                        </p:attrNameLst>
-                                      </p:cBhvr>
-                                      <p:to>
-                                        <p:strVal val="visible"/>
-                                      </p:to>
-                                    </p:set>
-                                    <p:anim calcmode="lin" valueType="num">
-                                      <p:cBhvr additive="base">
-                                        <p:cTn dur="1000"/>
-                                        <p:tgtEl>
-                                          <p:spTgt spid="77"/>
-                                        </p:tgtEl>
-                                        <p:attrNameLst>
-                                          <p:attrName>ppt_y</p:attrName>
-                                        </p:attrNameLst>
-                                      </p:cBhvr>
-                                      <p:tavLst>
-                                        <p:tav fmla="" tm="0">
-                                          <p:val>
-                                            <p:strVal val="#ppt_y+1"/>
-                                          </p:val>
-                                        </p:tav>
-                                        <p:tav fmla="" tm="100000">
-                                          <p:val>
-                                            <p:strVal val="#ppt_y"/>
-                                          </p:val>
-                                        </p:tav>
-                                      </p:tavLst>
-                                    </p:anim>
-                                  </p:childTnLst>
-                                </p:cTn>
-                              </p:par>
-                            </p:childTnLst>
-                          </p:cTn>
-                        </p:par>
-                      </p:childTnLst>
-                    </p:cTn>
-                  </p:par>
-                  <p:par>
-                    <p:cTn fill="hold">
-                      <p:stCondLst>
-                        <p:cond delay="indefinite"/>
-                      </p:stCondLst>
-                      <p:childTnLst>
-                        <p:par>
-                          <p:cTn fill="hold">
-                            <p:stCondLst>
-                              <p:cond delay="0"/>
-                            </p:stCondLst>
-                            <p:childTnLst>
-                              <p:par>
-                                <p:cTn fill="hold" nodeType="clickEffect" presetClass="entr" presetID="2" presetSubtype="4">
-                                  <p:stCondLst>
-                                    <p:cond delay="0"/>
-                                  </p:stCondLst>
-                                  <p:childTnLst>
-                                    <p:set>
-                                      <p:cBhvr>
-                                        <p:cTn dur="1" fill="hold">
-                                          <p:stCondLst>
-                                            <p:cond delay="0"/>
-                                          </p:stCondLst>
-                                        </p:cTn>
-                                        <p:tgtEl>
-                                          <p:spTgt spid="78"/>
-                                        </p:tgtEl>
-                                        <p:attrNameLst>
-                                          <p:attrName>style.visibility</p:attrName>
-                                        </p:attrNameLst>
-                                      </p:cBhvr>
-                                      <p:to>
-                                        <p:strVal val="visible"/>
-                                      </p:to>
-                                    </p:set>
-                                    <p:anim calcmode="lin" valueType="num">
-                                      <p:cBhvr additive="base">
-                                        <p:cTn dur="1000"/>
-                                        <p:tgtEl>
-                                          <p:spTgt spid="78"/>
-                                        </p:tgtEl>
-                                        <p:attrNameLst>
-                                          <p:attrName>ppt_y</p:attrName>
-                                        </p:attrNameLst>
-                                      </p:cBhvr>
-                                      <p:tavLst>
-                                        <p:tav fmla="" tm="0">
-                                          <p:val>
-                                            <p:strVal val="#ppt_y+1"/>
-                                          </p:val>
-                                        </p:tav>
-                                        <p:tav fmla="" tm="100000">
-                                          <p:val>
-                                            <p:strVal val="#ppt_y"/>
-                                          </p:val>
-                                        </p:tav>
-                                      </p:tavLst>
-                                    </p:anim>
                                   </p:childTnLst>
                                 </p:cTn>
                               </p:par>
@@ -6298,6 +6614,210 @@
                       </p:childTnLst>
                     </p:cTn>
                   </p:par>
+                  <p:par>
+                    <p:cTn fill="hold">
+                      <p:stCondLst>
+                        <p:cond delay="indefinite"/>
+                      </p:stCondLst>
+                      <p:childTnLst>
+                        <p:par>
+                          <p:cTn fill="hold">
+                            <p:stCondLst>
+                              <p:cond delay="0"/>
+                            </p:stCondLst>
+                            <p:childTnLst>
+                              <p:par>
+                                <p:cTn fill="hold" nodeType="clickEffect" presetClass="entr" presetID="2" presetSubtype="4">
+                                  <p:stCondLst>
+                                    <p:cond delay="0"/>
+                                  </p:stCondLst>
+                                  <p:childTnLst>
+                                    <p:set>
+                                      <p:cBhvr>
+                                        <p:cTn dur="1" fill="hold">
+                                          <p:stCondLst>
+                                            <p:cond delay="0"/>
+                                          </p:stCondLst>
+                                        </p:cTn>
+                                        <p:tgtEl>
+                                          <p:spTgt spid="82"/>
+                                        </p:tgtEl>
+                                        <p:attrNameLst>
+                                          <p:attrName>style.visibility</p:attrName>
+                                        </p:attrNameLst>
+                                      </p:cBhvr>
+                                      <p:to>
+                                        <p:strVal val="visible"/>
+                                      </p:to>
+                                    </p:set>
+                                    <p:anim calcmode="lin" valueType="num">
+                                      <p:cBhvr additive="base">
+                                        <p:cTn dur="1000"/>
+                                        <p:tgtEl>
+                                          <p:spTgt spid="82"/>
+                                        </p:tgtEl>
+                                        <p:attrNameLst>
+                                          <p:attrName>ppt_y</p:attrName>
+                                        </p:attrNameLst>
+                                      </p:cBhvr>
+                                      <p:tavLst>
+                                        <p:tav fmla="" tm="0">
+                                          <p:val>
+                                            <p:strVal val="#ppt_y+1"/>
+                                          </p:val>
+                                        </p:tav>
+                                        <p:tav fmla="" tm="100000">
+                                          <p:val>
+                                            <p:strVal val="#ppt_y"/>
+                                          </p:val>
+                                        </p:tav>
+                                      </p:tavLst>
+                                    </p:anim>
+                                  </p:childTnLst>
+                                </p:cTn>
+                              </p:par>
+                            </p:childTnLst>
+                          </p:cTn>
+                        </p:par>
+                      </p:childTnLst>
+                    </p:cTn>
+                  </p:par>
+                  <p:par>
+                    <p:cTn fill="hold">
+                      <p:stCondLst>
+                        <p:cond delay="indefinite"/>
+                      </p:stCondLst>
+                      <p:childTnLst>
+                        <p:par>
+                          <p:cTn fill="hold">
+                            <p:stCondLst>
+                              <p:cond delay="0"/>
+                            </p:stCondLst>
+                            <p:childTnLst>
+                              <p:par>
+                                <p:cTn fill="hold" nodeType="clickEffect" presetClass="entr" presetID="2" presetSubtype="4">
+                                  <p:stCondLst>
+                                    <p:cond delay="0"/>
+                                  </p:stCondLst>
+                                  <p:childTnLst>
+                                    <p:set>
+                                      <p:cBhvr>
+                                        <p:cTn dur="1" fill="hold">
+                                          <p:stCondLst>
+                                            <p:cond delay="0"/>
+                                          </p:stCondLst>
+                                        </p:cTn>
+                                        <p:tgtEl>
+                                          <p:spTgt spid="83"/>
+                                        </p:tgtEl>
+                                        <p:attrNameLst>
+                                          <p:attrName>style.visibility</p:attrName>
+                                        </p:attrNameLst>
+                                      </p:cBhvr>
+                                      <p:to>
+                                        <p:strVal val="visible"/>
+                                      </p:to>
+                                    </p:set>
+                                    <p:anim calcmode="lin" valueType="num">
+                                      <p:cBhvr additive="base">
+                                        <p:cTn dur="1000"/>
+                                        <p:tgtEl>
+                                          <p:spTgt spid="83"/>
+                                        </p:tgtEl>
+                                        <p:attrNameLst>
+                                          <p:attrName>ppt_y</p:attrName>
+                                        </p:attrNameLst>
+                                      </p:cBhvr>
+                                      <p:tavLst>
+                                        <p:tav fmla="" tm="0">
+                                          <p:val>
+                                            <p:strVal val="#ppt_y+1"/>
+                                          </p:val>
+                                        </p:tav>
+                                        <p:tav fmla="" tm="100000">
+                                          <p:val>
+                                            <p:strVal val="#ppt_y"/>
+                                          </p:val>
+                                        </p:tav>
+                                      </p:tavLst>
+                                    </p:anim>
+                                  </p:childTnLst>
+                                </p:cTn>
+                              </p:par>
+                            </p:childTnLst>
+                          </p:cTn>
+                        </p:par>
+                      </p:childTnLst>
+                    </p:cTn>
+                  </p:par>
+                  <p:par>
+                    <p:cTn fill="hold">
+                      <p:stCondLst>
+                        <p:cond delay="indefinite"/>
+                      </p:stCondLst>
+                      <p:childTnLst>
+                        <p:par>
+                          <p:cTn fill="hold">
+                            <p:stCondLst>
+                              <p:cond delay="0"/>
+                            </p:stCondLst>
+                            <p:childTnLst>
+                              <p:par>
+                                <p:cTn fill="hold" nodeType="clickEffect" presetClass="entr" presetID="2" presetSubtype="4">
+                                  <p:stCondLst>
+                                    <p:cond delay="0"/>
+                                  </p:stCondLst>
+                                  <p:childTnLst>
+                                    <p:set>
+                                      <p:cBhvr>
+                                        <p:cTn dur="1" fill="hold">
+                                          <p:stCondLst>
+                                            <p:cond delay="0"/>
+                                          </p:stCondLst>
+                                        </p:cTn>
+                                        <p:tgtEl>
+                                          <p:spTgt spid="84"/>
+                                        </p:tgtEl>
+                                        <p:attrNameLst>
+                                          <p:attrName>style.visibility</p:attrName>
+                                        </p:attrNameLst>
+                                      </p:cBhvr>
+                                      <p:to>
+                                        <p:strVal val="visible"/>
+                                      </p:to>
+                                    </p:set>
+                                    <p:anim calcmode="lin" valueType="num">
+                                      <p:cBhvr additive="base">
+                                        <p:cTn dur="1000"/>
+                                        <p:tgtEl>
+                                          <p:spTgt spid="84"/>
+                                        </p:tgtEl>
+                                        <p:attrNameLst>
+                                          <p:attrName>ppt_y</p:attrName>
+                                        </p:attrNameLst>
+                                      </p:cBhvr>
+                                      <p:tavLst>
+                                        <p:tav fmla="" tm="0">
+                                          <p:val>
+                                            <p:strVal val="#ppt_y+1"/>
+                                          </p:val>
+                                        </p:tav>
+                                        <p:tav fmla="" tm="100000">
+                                          <p:val>
+                                            <p:strVal val="#ppt_y"/>
+                                          </p:val>
+                                        </p:tav>
+                                      </p:tavLst>
+                                    </p:anim>
+                                  </p:childTnLst>
+                                </p:cTn>
+                              </p:par>
+                            </p:childTnLst>
+                          </p:cTn>
+                        </p:par>
+                      </p:childTnLst>
+                    </p:cTn>
+                  </p:par>
                 </p:childTnLst>
               </p:cTn>
               <p:prevCondLst>
@@ -6328,7 +6848,7 @@
   <p:cSld>
     <p:spTree>
       <p:nvGrpSpPr>
-        <p:cNvPr id="85" name="Shape 85"/>
+        <p:cNvPr id="89" name="Shape 89"/>
         <p:cNvGrpSpPr/>
         <p:nvPr/>
       </p:nvGrpSpPr>
@@ -6342,7 +6862,7 @@
       </p:grpSpPr>
       <p:sp>
         <p:nvSpPr>
-          <p:cNvPr id="86" name="Shape 86"/>
+          <p:cNvPr id="90" name="Shape 90"/>
           <p:cNvSpPr txBox="1"/>
           <p:nvPr>
             <p:ph type="title"/>
@@ -6378,7 +6898,7 @@
       </p:sp>
       <p:sp>
         <p:nvSpPr>
-          <p:cNvPr id="87" name="Shape 87"/>
+          <p:cNvPr id="91" name="Shape 91"/>
           <p:cNvSpPr txBox="1"/>
           <p:nvPr>
             <p:ph idx="1" type="body"/>
@@ -6433,6 +6953,42 @@
               <a:rPr lang="en" sz="2400"/>
               <a:t>Visual Studio</a:t>
             </a:r>
+          </a:p>
+        </p:txBody>
+      </p:sp>
+      <p:sp>
+        <p:nvSpPr>
+          <p:cNvPr id="92" name="Shape 92"/>
+          <p:cNvSpPr txBox="1"/>
+          <p:nvPr>
+            <p:ph idx="12" type="sldNum"/>
+          </p:nvPr>
+        </p:nvSpPr>
+        <p:spPr>
+          <a:xfrm>
+            <a:off x="8595307" y="4749891"/>
+            <a:ext cx="548699" cy="393600"/>
+          </a:xfrm>
+          <a:prstGeom prst="rect">
+            <a:avLst/>
+          </a:prstGeom>
+        </p:spPr>
+        <p:txBody>
+          <a:bodyPr anchorCtr="0" anchor="ctr" bIns="91425" lIns="91425" rIns="91425" tIns="91425">
+            <a:noAutofit/>
+          </a:bodyPr>
+          <a:lstStyle/>
+          <a:p>
+            <a:pPr lvl="0">
+              <a:spcBef>
+                <a:spcPts val="0"/>
+              </a:spcBef>
+              <a:buNone/>
+            </a:pPr>
+            <a:fld id="{00000000-1234-1234-1234-123412341234}" type="slidenum">
+              <a:rPr lang="en" sz="1800"/>
+              <a:t>‹#›</a:t>
+            </a:fld>
           </a:p>
         </p:txBody>
       </p:sp>
@@ -6478,7 +7034,7 @@
                                           </p:stCondLst>
                                         </p:cTn>
                                         <p:tgtEl>
-                                          <p:spTgt spid="87"/>
+                                          <p:spTgt spid="91"/>
                                         </p:tgtEl>
                                         <p:attrNameLst>
                                           <p:attrName>style.visibility</p:attrName>
@@ -6492,7 +7048,7 @@
                                       <p:cBhvr>
                                         <p:cTn dur="1000"/>
                                         <p:tgtEl>
-                                          <p:spTgt spid="87"/>
+                                          <p:spTgt spid="91"/>
                                         </p:tgtEl>
                                       </p:cBhvr>
                                     </p:animEffect>
@@ -6513,7 +7069,7 @@
                                           </p:stCondLst>
                                         </p:cTn>
                                         <p:tgtEl>
-                                          <p:spTgt spid="86"/>
+                                          <p:spTgt spid="90"/>
                                         </p:tgtEl>
                                         <p:attrNameLst>
                                           <p:attrName>style.visibility</p:attrName>
@@ -6527,7 +7083,7 @@
                                       <p:cBhvr>
                                         <p:cTn dur="1000"/>
                                         <p:tgtEl>
-                                          <p:spTgt spid="86"/>
+                                          <p:spTgt spid="90"/>
                                         </p:tgtEl>
                                       </p:cBhvr>
                                     </p:animEffect>
@@ -6565,7 +7121,878 @@
 </p:sld>
 </file>
 
+<file path=ppt/slides/slide5.xml><?xml version="1.0" encoding="utf-8"?>
+<p:sld xmlns:a="http://schemas.openxmlformats.org/drawingml/2006/main" xmlns:r="http://schemas.openxmlformats.org/officeDocument/2006/relationships" xmlns:mc="http://schemas.openxmlformats.org/markup-compatibility/2006" xmlns:mv="urn:schemas-microsoft-com:mac:vml" xmlns:p="http://schemas.openxmlformats.org/presentationml/2006/main" xmlns:c="http://schemas.openxmlformats.org/drawingml/2006/chart" xmlns:dgm="http://schemas.openxmlformats.org/drawingml/2006/diagram" xmlns:o="urn:schemas-microsoft-com:office:office" xmlns:v="urn:schemas-microsoft-com:vml" xmlns:pvml="urn:schemas-microsoft-com:office:powerpoint" xmlns:com="http://schemas.openxmlformats.org/drawingml/2006/compatibility" xmlns:p14="http://schemas.microsoft.com/office/powerpoint/2010/main">
+  <p:cSld>
+    <p:spTree>
+      <p:nvGrpSpPr>
+        <p:cNvPr id="96" name="Shape 96"/>
+        <p:cNvGrpSpPr/>
+        <p:nvPr/>
+      </p:nvGrpSpPr>
+      <p:grpSpPr>
+        <a:xfrm>
+          <a:off x="0" y="0"/>
+          <a:ext cx="0" cy="0"/>
+          <a:chOff x="0" y="0"/>
+          <a:chExt cx="0" cy="0"/>
+        </a:xfrm>
+      </p:grpSpPr>
+      <p:sp>
+        <p:nvSpPr>
+          <p:cNvPr id="97" name="Shape 97"/>
+          <p:cNvSpPr txBox="1"/>
+          <p:nvPr>
+            <p:ph type="title"/>
+          </p:nvPr>
+        </p:nvSpPr>
+        <p:spPr>
+          <a:xfrm>
+            <a:off x="311700" y="292850"/>
+            <a:ext cx="8520599" cy="800999"/>
+          </a:xfrm>
+          <a:prstGeom prst="rect">
+            <a:avLst/>
+          </a:prstGeom>
+        </p:spPr>
+        <p:txBody>
+          <a:bodyPr anchorCtr="0" anchor="t" bIns="91425" lIns="91425" rIns="91425" tIns="91425">
+            <a:noAutofit/>
+          </a:bodyPr>
+          <a:lstStyle/>
+          <a:p>
+            <a:pPr lvl="0">
+              <a:spcBef>
+                <a:spcPts val="0"/>
+              </a:spcBef>
+              <a:buNone/>
+            </a:pPr>
+            <a:r>
+              <a:t/>
+            </a:r>
+            <a:endParaRPr/>
+          </a:p>
+        </p:txBody>
+      </p:sp>
+      <p:sp>
+        <p:nvSpPr>
+          <p:cNvPr id="98" name="Shape 98"/>
+          <p:cNvSpPr txBox="1"/>
+          <p:nvPr>
+            <p:ph idx="1" type="body"/>
+          </p:nvPr>
+        </p:nvSpPr>
+        <p:spPr>
+          <a:xfrm>
+            <a:off x="311700" y="1228675"/>
+            <a:ext cx="8520599" cy="3340199"/>
+          </a:xfrm>
+          <a:prstGeom prst="rect">
+            <a:avLst/>
+          </a:prstGeom>
+        </p:spPr>
+        <p:txBody>
+          <a:bodyPr anchorCtr="0" anchor="t" bIns="91425" lIns="91425" rIns="91425" tIns="91425">
+            <a:noAutofit/>
+          </a:bodyPr>
+          <a:lstStyle/>
+          <a:p>
+            <a:pPr lvl="0">
+              <a:spcBef>
+                <a:spcPts val="0"/>
+              </a:spcBef>
+              <a:buNone/>
+            </a:pPr>
+            <a:r>
+              <a:t/>
+            </a:r>
+            <a:endParaRPr/>
+          </a:p>
+        </p:txBody>
+      </p:sp>
+      <p:sp>
+        <p:nvSpPr>
+          <p:cNvPr id="99" name="Shape 99"/>
+          <p:cNvSpPr txBox="1"/>
+          <p:nvPr>
+            <p:ph idx="12" type="sldNum"/>
+          </p:nvPr>
+        </p:nvSpPr>
+        <p:spPr>
+          <a:xfrm>
+            <a:off x="8595307" y="4749891"/>
+            <a:ext cx="548699" cy="393600"/>
+          </a:xfrm>
+          <a:prstGeom prst="rect">
+            <a:avLst/>
+          </a:prstGeom>
+        </p:spPr>
+        <p:txBody>
+          <a:bodyPr anchorCtr="0" anchor="ctr" bIns="91425" lIns="91425" rIns="91425" tIns="91425">
+            <a:noAutofit/>
+          </a:bodyPr>
+          <a:lstStyle/>
+          <a:p>
+            <a:pPr lvl="0">
+              <a:spcBef>
+                <a:spcPts val="0"/>
+              </a:spcBef>
+              <a:buNone/>
+            </a:pPr>
+            <a:fld id="{00000000-1234-1234-1234-123412341234}" type="slidenum">
+              <a:rPr lang="en" sz="1800"/>
+              <a:t>‹#›</a:t>
+            </a:fld>
+          </a:p>
+        </p:txBody>
+      </p:sp>
+      <p:pic>
+        <p:nvPicPr>
+          <p:cNvPr id="100" name="Shape 100"/>
+          <p:cNvPicPr preferRelativeResize="0"/>
+          <p:nvPr/>
+        </p:nvPicPr>
+        <p:blipFill>
+          <a:blip r:embed="rId3">
+            <a:alphaModFix/>
+          </a:blip>
+          <a:stretch>
+            <a:fillRect/>
+          </a:stretch>
+        </p:blipFill>
+        <p:spPr>
+          <a:xfrm>
+            <a:off x="0" y="322377"/>
+            <a:ext cx="9143999" cy="4498749"/>
+          </a:xfrm>
+          <a:prstGeom prst="rect">
+            <a:avLst/>
+          </a:prstGeom>
+          <a:noFill/>
+          <a:ln>
+            <a:noFill/>
+          </a:ln>
+        </p:spPr>
+      </p:pic>
+    </p:spTree>
+  </p:cSld>
+  <p:clrMapOvr>
+    <a:masterClrMapping/>
+  </p:clrMapOvr>
+  <p:transition spd="slow">
+    <p:cut/>
+  </p:transition>
+</p:sld>
+</file>
+
+<file path=ppt/slides/slide6.xml><?xml version="1.0" encoding="utf-8"?>
+<p:sld xmlns:a="http://schemas.openxmlformats.org/drawingml/2006/main" xmlns:r="http://schemas.openxmlformats.org/officeDocument/2006/relationships" xmlns:mc="http://schemas.openxmlformats.org/markup-compatibility/2006" xmlns:mv="urn:schemas-microsoft-com:mac:vml" xmlns:p="http://schemas.openxmlformats.org/presentationml/2006/main" xmlns:c="http://schemas.openxmlformats.org/drawingml/2006/chart" xmlns:dgm="http://schemas.openxmlformats.org/drawingml/2006/diagram" xmlns:o="urn:schemas-microsoft-com:office:office" xmlns:v="urn:schemas-microsoft-com:vml" xmlns:pvml="urn:schemas-microsoft-com:office:powerpoint" xmlns:com="http://schemas.openxmlformats.org/drawingml/2006/compatibility" xmlns:p14="http://schemas.microsoft.com/office/powerpoint/2010/main">
+  <p:cSld>
+    <p:spTree>
+      <p:nvGrpSpPr>
+        <p:cNvPr id="104" name="Shape 104"/>
+        <p:cNvGrpSpPr/>
+        <p:nvPr/>
+      </p:nvGrpSpPr>
+      <p:grpSpPr>
+        <a:xfrm>
+          <a:off x="0" y="0"/>
+          <a:ext cx="0" cy="0"/>
+          <a:chOff x="0" y="0"/>
+          <a:chExt cx="0" cy="0"/>
+        </a:xfrm>
+      </p:grpSpPr>
+      <p:sp>
+        <p:nvSpPr>
+          <p:cNvPr id="105" name="Shape 105"/>
+          <p:cNvSpPr txBox="1"/>
+          <p:nvPr>
+            <p:ph type="title"/>
+          </p:nvPr>
+        </p:nvSpPr>
+        <p:spPr>
+          <a:xfrm>
+            <a:off x="311700" y="292850"/>
+            <a:ext cx="8520599" cy="800999"/>
+          </a:xfrm>
+          <a:prstGeom prst="rect">
+            <a:avLst/>
+          </a:prstGeom>
+        </p:spPr>
+        <p:txBody>
+          <a:bodyPr anchorCtr="0" anchor="t" bIns="91425" lIns="91425" rIns="91425" tIns="91425">
+            <a:noAutofit/>
+          </a:bodyPr>
+          <a:lstStyle/>
+          <a:p>
+            <a:pPr lvl="0">
+              <a:spcBef>
+                <a:spcPts val="0"/>
+              </a:spcBef>
+              <a:buNone/>
+            </a:pPr>
+            <a:r>
+              <a:t/>
+            </a:r>
+            <a:endParaRPr/>
+          </a:p>
+        </p:txBody>
+      </p:sp>
+      <p:sp>
+        <p:nvSpPr>
+          <p:cNvPr id="106" name="Shape 106"/>
+          <p:cNvSpPr txBox="1"/>
+          <p:nvPr>
+            <p:ph idx="1" type="body"/>
+          </p:nvPr>
+        </p:nvSpPr>
+        <p:spPr>
+          <a:xfrm>
+            <a:off x="311700" y="1228675"/>
+            <a:ext cx="8520599" cy="3340199"/>
+          </a:xfrm>
+          <a:prstGeom prst="rect">
+            <a:avLst/>
+          </a:prstGeom>
+        </p:spPr>
+        <p:txBody>
+          <a:bodyPr anchorCtr="0" anchor="t" bIns="91425" lIns="91425" rIns="91425" tIns="91425">
+            <a:noAutofit/>
+          </a:bodyPr>
+          <a:lstStyle/>
+          <a:p>
+            <a:pPr lvl="0">
+              <a:spcBef>
+                <a:spcPts val="0"/>
+              </a:spcBef>
+              <a:buNone/>
+            </a:pPr>
+            <a:r>
+              <a:t/>
+            </a:r>
+            <a:endParaRPr/>
+          </a:p>
+        </p:txBody>
+      </p:sp>
+      <p:sp>
+        <p:nvSpPr>
+          <p:cNvPr id="107" name="Shape 107"/>
+          <p:cNvSpPr txBox="1"/>
+          <p:nvPr>
+            <p:ph idx="12" type="sldNum"/>
+          </p:nvPr>
+        </p:nvSpPr>
+        <p:spPr>
+          <a:xfrm>
+            <a:off x="8595307" y="4749891"/>
+            <a:ext cx="548699" cy="393600"/>
+          </a:xfrm>
+          <a:prstGeom prst="rect">
+            <a:avLst/>
+          </a:prstGeom>
+        </p:spPr>
+        <p:txBody>
+          <a:bodyPr anchorCtr="0" anchor="ctr" bIns="91425" lIns="91425" rIns="91425" tIns="91425">
+            <a:noAutofit/>
+          </a:bodyPr>
+          <a:lstStyle/>
+          <a:p>
+            <a:pPr lvl="0">
+              <a:spcBef>
+                <a:spcPts val="0"/>
+              </a:spcBef>
+              <a:buNone/>
+            </a:pPr>
+            <a:fld id="{00000000-1234-1234-1234-123412341234}" type="slidenum">
+              <a:rPr lang="en" sz="1800"/>
+              <a:t>‹#›</a:t>
+            </a:fld>
+          </a:p>
+        </p:txBody>
+      </p:sp>
+      <p:pic>
+        <p:nvPicPr>
+          <p:cNvPr id="108" name="Shape 108"/>
+          <p:cNvPicPr preferRelativeResize="0"/>
+          <p:nvPr/>
+        </p:nvPicPr>
+        <p:blipFill>
+          <a:blip r:embed="rId3">
+            <a:alphaModFix/>
+          </a:blip>
+          <a:stretch>
+            <a:fillRect/>
+          </a:stretch>
+        </p:blipFill>
+        <p:spPr>
+          <a:xfrm>
+            <a:off x="0" y="315052"/>
+            <a:ext cx="9143999" cy="4513384"/>
+          </a:xfrm>
+          <a:prstGeom prst="rect">
+            <a:avLst/>
+          </a:prstGeom>
+          <a:noFill/>
+          <a:ln>
+            <a:noFill/>
+          </a:ln>
+        </p:spPr>
+      </p:pic>
+    </p:spTree>
+  </p:cSld>
+  <p:clrMapOvr>
+    <a:masterClrMapping/>
+  </p:clrMapOvr>
+  <p:transition spd="slow">
+    <p:cut/>
+  </p:transition>
+</p:sld>
+</file>
+
+<file path=ppt/slides/slide7.xml><?xml version="1.0" encoding="utf-8"?>
+<p:sld xmlns:a="http://schemas.openxmlformats.org/drawingml/2006/main" xmlns:r="http://schemas.openxmlformats.org/officeDocument/2006/relationships" xmlns:mc="http://schemas.openxmlformats.org/markup-compatibility/2006" xmlns:mv="urn:schemas-microsoft-com:mac:vml" xmlns:p="http://schemas.openxmlformats.org/presentationml/2006/main" xmlns:c="http://schemas.openxmlformats.org/drawingml/2006/chart" xmlns:dgm="http://schemas.openxmlformats.org/drawingml/2006/diagram" xmlns:o="urn:schemas-microsoft-com:office:office" xmlns:v="urn:schemas-microsoft-com:vml" xmlns:pvml="urn:schemas-microsoft-com:office:powerpoint" xmlns:com="http://schemas.openxmlformats.org/drawingml/2006/compatibility" xmlns:p14="http://schemas.microsoft.com/office/powerpoint/2010/main">
+  <p:cSld>
+    <p:spTree>
+      <p:nvGrpSpPr>
+        <p:cNvPr id="112" name="Shape 112"/>
+        <p:cNvGrpSpPr/>
+        <p:nvPr/>
+      </p:nvGrpSpPr>
+      <p:grpSpPr>
+        <a:xfrm>
+          <a:off x="0" y="0"/>
+          <a:ext cx="0" cy="0"/>
+          <a:chOff x="0" y="0"/>
+          <a:chExt cx="0" cy="0"/>
+        </a:xfrm>
+      </p:grpSpPr>
+      <p:sp>
+        <p:nvSpPr>
+          <p:cNvPr id="113" name="Shape 113"/>
+          <p:cNvSpPr txBox="1"/>
+          <p:nvPr>
+            <p:ph type="title"/>
+          </p:nvPr>
+        </p:nvSpPr>
+        <p:spPr>
+          <a:xfrm>
+            <a:off x="311700" y="292850"/>
+            <a:ext cx="8520599" cy="800999"/>
+          </a:xfrm>
+          <a:prstGeom prst="rect">
+            <a:avLst/>
+          </a:prstGeom>
+        </p:spPr>
+        <p:txBody>
+          <a:bodyPr anchorCtr="0" anchor="t" bIns="91425" lIns="91425" rIns="91425" tIns="91425">
+            <a:noAutofit/>
+          </a:bodyPr>
+          <a:lstStyle/>
+          <a:p>
+            <a:pPr lvl="0">
+              <a:spcBef>
+                <a:spcPts val="0"/>
+              </a:spcBef>
+              <a:buNone/>
+            </a:pPr>
+            <a:r>
+              <a:t/>
+            </a:r>
+            <a:endParaRPr/>
+          </a:p>
+        </p:txBody>
+      </p:sp>
+      <p:sp>
+        <p:nvSpPr>
+          <p:cNvPr id="114" name="Shape 114"/>
+          <p:cNvSpPr txBox="1"/>
+          <p:nvPr>
+            <p:ph idx="1" type="body"/>
+          </p:nvPr>
+        </p:nvSpPr>
+        <p:spPr>
+          <a:xfrm>
+            <a:off x="311700" y="1228675"/>
+            <a:ext cx="8520599" cy="3340199"/>
+          </a:xfrm>
+          <a:prstGeom prst="rect">
+            <a:avLst/>
+          </a:prstGeom>
+        </p:spPr>
+        <p:txBody>
+          <a:bodyPr anchorCtr="0" anchor="t" bIns="91425" lIns="91425" rIns="91425" tIns="91425">
+            <a:noAutofit/>
+          </a:bodyPr>
+          <a:lstStyle/>
+          <a:p>
+            <a:pPr lvl="0">
+              <a:spcBef>
+                <a:spcPts val="0"/>
+              </a:spcBef>
+              <a:buNone/>
+            </a:pPr>
+            <a:r>
+              <a:t/>
+            </a:r>
+            <a:endParaRPr/>
+          </a:p>
+        </p:txBody>
+      </p:sp>
+      <p:sp>
+        <p:nvSpPr>
+          <p:cNvPr id="115" name="Shape 115"/>
+          <p:cNvSpPr txBox="1"/>
+          <p:nvPr>
+            <p:ph idx="12" type="sldNum"/>
+          </p:nvPr>
+        </p:nvSpPr>
+        <p:spPr>
+          <a:xfrm>
+            <a:off x="8653232" y="4749891"/>
+            <a:ext cx="548699" cy="393600"/>
+          </a:xfrm>
+          <a:prstGeom prst="rect">
+            <a:avLst/>
+          </a:prstGeom>
+        </p:spPr>
+        <p:txBody>
+          <a:bodyPr anchorCtr="0" anchor="ctr" bIns="91425" lIns="91425" rIns="91425" tIns="91425">
+            <a:noAutofit/>
+          </a:bodyPr>
+          <a:lstStyle/>
+          <a:p>
+            <a:pPr lvl="0">
+              <a:spcBef>
+                <a:spcPts val="0"/>
+              </a:spcBef>
+              <a:buNone/>
+            </a:pPr>
+            <a:fld id="{00000000-1234-1234-1234-123412341234}" type="slidenum">
+              <a:rPr lang="en" sz="1800"/>
+              <a:t>‹#›</a:t>
+            </a:fld>
+          </a:p>
+        </p:txBody>
+      </p:sp>
+      <p:pic>
+        <p:nvPicPr>
+          <p:cNvPr id="116" name="Shape 116"/>
+          <p:cNvPicPr preferRelativeResize="0"/>
+          <p:nvPr/>
+        </p:nvPicPr>
+        <p:blipFill>
+          <a:blip r:embed="rId3">
+            <a:alphaModFix/>
+          </a:blip>
+          <a:stretch>
+            <a:fillRect/>
+          </a:stretch>
+        </p:blipFill>
+        <p:spPr>
+          <a:xfrm>
+            <a:off x="0" y="322394"/>
+            <a:ext cx="9143999" cy="4498730"/>
+          </a:xfrm>
+          <a:prstGeom prst="rect">
+            <a:avLst/>
+          </a:prstGeom>
+          <a:noFill/>
+          <a:ln>
+            <a:noFill/>
+          </a:ln>
+        </p:spPr>
+      </p:pic>
+    </p:spTree>
+  </p:cSld>
+  <p:clrMapOvr>
+    <a:masterClrMapping/>
+  </p:clrMapOvr>
+  <p:transition spd="slow">
+    <p:cut/>
+  </p:transition>
+</p:sld>
+</file>
+
+<file path=ppt/slides/slide8.xml><?xml version="1.0" encoding="utf-8"?>
+<p:sld xmlns:a="http://schemas.openxmlformats.org/drawingml/2006/main" xmlns:r="http://schemas.openxmlformats.org/officeDocument/2006/relationships" xmlns:mc="http://schemas.openxmlformats.org/markup-compatibility/2006" xmlns:mv="urn:schemas-microsoft-com:mac:vml" xmlns:p="http://schemas.openxmlformats.org/presentationml/2006/main" xmlns:c="http://schemas.openxmlformats.org/drawingml/2006/chart" xmlns:dgm="http://schemas.openxmlformats.org/drawingml/2006/diagram" xmlns:o="urn:schemas-microsoft-com:office:office" xmlns:v="urn:schemas-microsoft-com:vml" xmlns:pvml="urn:schemas-microsoft-com:office:powerpoint" xmlns:com="http://schemas.openxmlformats.org/drawingml/2006/compatibility" xmlns:p14="http://schemas.microsoft.com/office/powerpoint/2010/main">
+  <p:cSld>
+    <p:spTree>
+      <p:nvGrpSpPr>
+        <p:cNvPr id="120" name="Shape 120"/>
+        <p:cNvGrpSpPr/>
+        <p:nvPr/>
+      </p:nvGrpSpPr>
+      <p:grpSpPr>
+        <a:xfrm>
+          <a:off x="0" y="0"/>
+          <a:ext cx="0" cy="0"/>
+          <a:chOff x="0" y="0"/>
+          <a:chExt cx="0" cy="0"/>
+        </a:xfrm>
+      </p:grpSpPr>
+      <p:sp>
+        <p:nvSpPr>
+          <p:cNvPr id="121" name="Shape 121"/>
+          <p:cNvSpPr txBox="1"/>
+          <p:nvPr>
+            <p:ph type="title"/>
+          </p:nvPr>
+        </p:nvSpPr>
+        <p:spPr>
+          <a:xfrm>
+            <a:off x="3059100" y="1469700"/>
+            <a:ext cx="3025799" cy="2204100"/>
+          </a:xfrm>
+          <a:prstGeom prst="rect">
+            <a:avLst/>
+          </a:prstGeom>
+        </p:spPr>
+        <p:txBody>
+          <a:bodyPr anchorCtr="0" anchor="t" bIns="91425" lIns="91425" rIns="91425" tIns="91425">
+            <a:noAutofit/>
+          </a:bodyPr>
+          <a:lstStyle/>
+          <a:p>
+            <a:pPr lvl="0" rtl="0">
+              <a:spcBef>
+                <a:spcPts val="0"/>
+              </a:spcBef>
+              <a:buNone/>
+            </a:pPr>
+            <a:r>
+              <a:rPr lang="en" sz="14000"/>
+              <a:t>Demo!</a:t>
+            </a:r>
+          </a:p>
+        </p:txBody>
+      </p:sp>
+      <p:sp>
+        <p:nvSpPr>
+          <p:cNvPr id="122" name="Shape 122"/>
+          <p:cNvSpPr txBox="1"/>
+          <p:nvPr>
+            <p:ph idx="12" type="sldNum"/>
+          </p:nvPr>
+        </p:nvSpPr>
+        <p:spPr>
+          <a:xfrm>
+            <a:off x="8595307" y="4749891"/>
+            <a:ext cx="548699" cy="393600"/>
+          </a:xfrm>
+          <a:prstGeom prst="rect">
+            <a:avLst/>
+          </a:prstGeom>
+        </p:spPr>
+        <p:txBody>
+          <a:bodyPr anchorCtr="0" anchor="ctr" bIns="91425" lIns="91425" rIns="91425" tIns="91425">
+            <a:noAutofit/>
+          </a:bodyPr>
+          <a:lstStyle/>
+          <a:p>
+            <a:pPr lvl="0" rtl="0">
+              <a:spcBef>
+                <a:spcPts val="0"/>
+              </a:spcBef>
+              <a:buNone/>
+            </a:pPr>
+            <a:fld id="{00000000-1234-1234-1234-123412341234}" type="slidenum">
+              <a:rPr lang="en" sz="1800"/>
+              <a:t>‹#›</a:t>
+            </a:fld>
+          </a:p>
+        </p:txBody>
+      </p:sp>
+    </p:spTree>
+  </p:cSld>
+  <p:clrMapOvr>
+    <a:masterClrMapping/>
+  </p:clrMapOvr>
+  <p:transition spd="slow">
+    <p:cut/>
+  </p:transition>
+</p:sld>
+</file>
+
 <file path=ppt/theme/theme.xml><?xml version="1.0" encoding="utf-8"?>
+<a:theme xmlns:a="http://schemas.openxmlformats.org/drawingml/2006/main" xmlns:r="http://schemas.openxmlformats.org/officeDocument/2006/relationships" name="Custom Theme">
+  <a:themeElements>
+    <a:clrScheme name="Default">
+      <a:dk1>
+        <a:srgbClr val="000000"/>
+      </a:dk1>
+      <a:lt1>
+        <a:srgbClr val="FFFFFF"/>
+      </a:lt1>
+      <a:dk2>
+        <a:srgbClr val="158158"/>
+      </a:dk2>
+      <a:lt2>
+        <a:srgbClr val="F3F3F3"/>
+      </a:lt2>
+      <a:accent1>
+        <a:srgbClr val="058DC7"/>
+      </a:accent1>
+      <a:accent2>
+        <a:srgbClr val="50B432"/>
+      </a:accent2>
+      <a:accent3>
+        <a:srgbClr val="ED561B"/>
+      </a:accent3>
+      <a:accent4>
+        <a:srgbClr val="EDEF00"/>
+      </a:accent4>
+      <a:accent5>
+        <a:srgbClr val="24CBE5"/>
+      </a:accent5>
+      <a:accent6>
+        <a:srgbClr val="64E572"/>
+      </a:accent6>
+      <a:hlink>
+        <a:srgbClr val="2200CC"/>
+      </a:hlink>
+      <a:folHlink>
+        <a:srgbClr val="551A8B"/>
+      </a:folHlink>
+    </a:clrScheme>
+    <a:fontScheme name="Office">
+      <a:majorFont>
+        <a:latin typeface="Arial"/>
+        <a:ea typeface=""/>
+        <a:cs typeface=""/>
+        <a:font script="Jpan" typeface="ＭＳ Ｐゴシック"/>
+        <a:font script="Hang" typeface="맑은 고딕"/>
+        <a:font script="Hans" typeface="宋体"/>
+        <a:font script="Hant" typeface="新細明體"/>
+        <a:font script="Arab" typeface="Times New Roman"/>
+        <a:font script="Hebr" typeface="Times New Roman"/>
+        <a:font script="Thai" typeface="Angsana New"/>
+        <a:font script="Ethi" typeface="Nyala"/>
+        <a:font script="Beng" typeface="Vrinda"/>
+        <a:font script="Gujr" typeface="Shruti"/>
+        <a:font script="Khmr" typeface="MoolBoran"/>
+        <a:font script="Knda" typeface="Tunga"/>
+        <a:font script="Guru" typeface="Raavi"/>
+        <a:font script="Cans" typeface="Euphemia"/>
+        <a:font script="Cher" typeface="Plantagenet Cherokee"/>
+        <a:font script="Yiii" typeface="Microsoft Yi Baiti"/>
+        <a:font script="Tibt" typeface="Microsoft Himalaya"/>
+        <a:font script="Thaa" typeface="MV Boli"/>
+        <a:font script="Deva" typeface="Mangal"/>
+        <a:font script="Telu" typeface="Gautami"/>
+        <a:font script="Taml" typeface="Latha"/>
+        <a:font script="Syrc" typeface="Estrangelo Edessa"/>
+        <a:font script="Orya" typeface="Kalinga"/>
+        <a:font script="Mlym" typeface="Kartika"/>
+        <a:font script="Laoo" typeface="DokChampa"/>
+        <a:font script="Sinh" typeface="Iskoola Pota"/>
+        <a:font script="Mong" typeface="Mongolian Baiti"/>
+        <a:font script="Viet" typeface="Times New Roman"/>
+        <a:font script="Uigh" typeface="Microsoft Uighur"/>
+        <a:font script="Geor" typeface="Sylfaen"/>
+      </a:majorFont>
+      <a:minorFont>
+        <a:latin typeface="Arial"/>
+        <a:ea typeface=""/>
+        <a:cs typeface=""/>
+        <a:font script="Jpan" typeface="ＭＳ Ｐゴシック"/>
+        <a:font script="Hang" typeface="맑은 고딕"/>
+        <a:font script="Hans" typeface="宋体"/>
+        <a:font script="Hant" typeface="新細明體"/>
+        <a:font script="Arab" typeface="Arial"/>
+        <a:font script="Hebr" typeface="Arial"/>
+        <a:font script="Thai" typeface="Cordia New"/>
+        <a:font script="Ethi" typeface="Nyala"/>
+        <a:font script="Beng" typeface="Vrinda"/>
+        <a:font script="Gujr" typeface="Shruti"/>
+        <a:font script="Khmr" typeface="DaunPenh"/>
+        <a:font script="Knda" typeface="Tunga"/>
+        <a:font script="Guru" typeface="Raavi"/>
+        <a:font script="Cans" typeface="Euphemia"/>
+        <a:font script="Cher" typeface="Plantagenet Cherokee"/>
+        <a:font script="Yiii" typeface="Microsoft Yi Baiti"/>
+        <a:font script="Tibt" typeface="Microsoft Himalaya"/>
+        <a:font script="Thaa" typeface="MV Boli"/>
+        <a:font script="Deva" typeface="Mangal"/>
+        <a:font script="Telu" typeface="Gautami"/>
+        <a:font script="Taml" typeface="Latha"/>
+        <a:font script="Syrc" typeface="Estrangelo Edessa"/>
+        <a:font script="Orya" typeface="Kalinga"/>
+        <a:font script="Mlym" typeface="Kartika"/>
+        <a:font script="Laoo" typeface="DokChampa"/>
+        <a:font script="Sinh" typeface="Iskoola Pota"/>
+        <a:font script="Mong" typeface="Mongolian Baiti"/>
+        <a:font script="Viet" typeface="Arial"/>
+        <a:font script="Uigh" typeface="Microsoft Uighur"/>
+        <a:font script="Geor" typeface="Sylfaen"/>
+      </a:minorFont>
+    </a:fontScheme>
+    <a:fmtScheme name="Office">
+      <a:fillStyleLst>
+        <a:solidFill>
+          <a:schemeClr val="phClr"/>
+        </a:solidFill>
+        <a:gradFill rotWithShape="1">
+          <a:gsLst>
+            <a:gs pos="0">
+              <a:schemeClr val="phClr">
+                <a:tint val="50000"/>
+                <a:satMod val="300000"/>
+              </a:schemeClr>
+            </a:gs>
+            <a:gs pos="35000">
+              <a:schemeClr val="phClr">
+                <a:tint val="37000"/>
+                <a:satMod val="300000"/>
+              </a:schemeClr>
+            </a:gs>
+            <a:gs pos="100000">
+              <a:schemeClr val="phClr">
+                <a:tint val="15000"/>
+                <a:satMod val="350000"/>
+              </a:schemeClr>
+            </a:gs>
+          </a:gsLst>
+          <a:lin ang="16200000" scaled="1"/>
+        </a:gradFill>
+        <a:gradFill rotWithShape="1">
+          <a:gsLst>
+            <a:gs pos="0">
+              <a:schemeClr val="phClr">
+                <a:tint val="100000"/>
+                <a:shade val="100000"/>
+                <a:satMod val="130000"/>
+              </a:schemeClr>
+            </a:gs>
+            <a:gs pos="100000">
+              <a:schemeClr val="phClr">
+                <a:tint val="50000"/>
+                <a:shade val="100000"/>
+                <a:satMod val="350000"/>
+              </a:schemeClr>
+            </a:gs>
+          </a:gsLst>
+          <a:lin ang="16200000" scaled="0"/>
+        </a:gradFill>
+      </a:fillStyleLst>
+      <a:lnStyleLst>
+        <a:ln w="9525" cap="flat" cmpd="sng" algn="ctr">
+          <a:solidFill>
+            <a:schemeClr val="phClr">
+              <a:shade val="95000"/>
+              <a:satMod val="105000"/>
+            </a:schemeClr>
+          </a:solidFill>
+          <a:prstDash val="solid"/>
+        </a:ln>
+        <a:ln w="25400" cap="flat" cmpd="sng" algn="ctr">
+          <a:solidFill>
+            <a:schemeClr val="phClr"/>
+          </a:solidFill>
+          <a:prstDash val="solid"/>
+        </a:ln>
+        <a:ln w="38100" cap="flat" cmpd="sng" algn="ctr">
+          <a:solidFill>
+            <a:schemeClr val="phClr"/>
+          </a:solidFill>
+          <a:prstDash val="solid"/>
+        </a:ln>
+      </a:lnStyleLst>
+      <a:effectStyleLst>
+        <a:effectStyle>
+          <a:effectLst>
+            <a:outerShdw blurRad="40000" dist="20000" dir="5400000" rotWithShape="0">
+              <a:srgbClr val="000000">
+                <a:alpha val="38000"/>
+              </a:srgbClr>
+            </a:outerShdw>
+          </a:effectLst>
+        </a:effectStyle>
+        <a:effectStyle>
+          <a:effectLst>
+            <a:outerShdw blurRad="40000" dist="23000" dir="5400000" rotWithShape="0">
+              <a:srgbClr val="000000">
+                <a:alpha val="35000"/>
+              </a:srgbClr>
+            </a:outerShdw>
+          </a:effectLst>
+        </a:effectStyle>
+        <a:effectStyle>
+          <a:effectLst>
+            <a:outerShdw blurRad="40000" dist="23000" dir="5400000" rotWithShape="0">
+              <a:srgbClr val="000000">
+                <a:alpha val="35000"/>
+              </a:srgbClr>
+            </a:outerShdw>
+          </a:effectLst>
+          <a:scene3d>
+            <a:camera prst="orthographicFront">
+              <a:rot lat="0" lon="0" rev="0"/>
+            </a:camera>
+            <a:lightRig rig="threePt" dir="t">
+              <a:rot lat="0" lon="0" rev="1200000"/>
+            </a:lightRig>
+          </a:scene3d>
+          <a:sp3d>
+            <a:bevelT w="63500" h="25400"/>
+          </a:sp3d>
+        </a:effectStyle>
+      </a:effectStyleLst>
+      <a:bgFillStyleLst>
+        <a:solidFill>
+          <a:schemeClr val="phClr"/>
+        </a:solidFill>
+        <a:gradFill rotWithShape="1">
+          <a:gsLst>
+            <a:gs pos="0">
+              <a:schemeClr val="phClr">
+                <a:tint val="40000"/>
+                <a:satMod val="350000"/>
+              </a:schemeClr>
+            </a:gs>
+            <a:gs pos="40000">
+              <a:schemeClr val="phClr">
+                <a:tint val="45000"/>
+                <a:shade val="99000"/>
+                <a:satMod val="350000"/>
+              </a:schemeClr>
+            </a:gs>
+            <a:gs pos="100000">
+              <a:schemeClr val="phClr">
+                <a:shade val="20000"/>
+                <a:satMod val="255000"/>
+              </a:schemeClr>
+            </a:gs>
+          </a:gsLst>
+          <a:path path="circle">
+            <a:fillToRect l="50000" t="-80000" r="50000" b="180000"/>
+          </a:path>
+        </a:gradFill>
+        <a:gradFill rotWithShape="1">
+          <a:gsLst>
+            <a:gs pos="0">
+              <a:schemeClr val="phClr">
+                <a:tint val="80000"/>
+                <a:satMod val="300000"/>
+              </a:schemeClr>
+            </a:gs>
+            <a:gs pos="100000">
+              <a:schemeClr val="phClr">
+                <a:shade val="30000"/>
+                <a:satMod val="200000"/>
+              </a:schemeClr>
+            </a:gs>
+          </a:gsLst>
+          <a:path path="circle">
+            <a:fillToRect l="50000" t="50000" r="50000" b="50000"/>
+          </a:path>
+        </a:gradFill>
+      </a:bgFillStyleLst>
+    </a:fmtScheme>
+  </a:themeElements>
+</a:theme>
+</file>
+
+<file path=ppt/theme/theme1.xml><?xml version="1.0" encoding="utf-8"?>
 <a:theme xmlns:a="http://schemas.openxmlformats.org/drawingml/2006/main" xmlns:r="http://schemas.openxmlformats.org/officeDocument/2006/relationships" name="beach-day">
   <a:themeElements>
     <a:clrScheme name="Beach Day">
@@ -6842,283 +8269,4 @@
     </a:fmtScheme>
   </a:themeElements>
 </a:theme>
-</file>
-
-<file path=ppt/theme/theme1.xml><?xml version="1.0" encoding="utf-8"?>
-<a:theme xmlns:a="http://schemas.openxmlformats.org/drawingml/2006/main" xmlns:r="http://schemas.openxmlformats.org/officeDocument/2006/relationships" name="Custom Theme">
-  <a:themeElements>
-    <a:clrScheme name="Default">
-      <a:dk1>
-        <a:srgbClr val="000000"/>
-      </a:dk1>
-      <a:lt1>
-        <a:srgbClr val="FFFFFF"/>
-      </a:lt1>
-      <a:dk2>
-        <a:srgbClr val="158158"/>
-      </a:dk2>
-      <a:lt2>
-        <a:srgbClr val="F3F3F3"/>
-      </a:lt2>
-      <a:accent1>
-        <a:srgbClr val="058DC7"/>
-      </a:accent1>
-      <a:accent2>
-        <a:srgbClr val="50B432"/>
-      </a:accent2>
-      <a:accent3>
-        <a:srgbClr val="ED561B"/>
-      </a:accent3>
-      <a:accent4>
-        <a:srgbClr val="EDEF00"/>
-      </a:accent4>
-      <a:accent5>
-        <a:srgbClr val="24CBE5"/>
-      </a:accent5>
-      <a:accent6>
-        <a:srgbClr val="64E572"/>
-      </a:accent6>
-      <a:hlink>
-        <a:srgbClr val="2200CC"/>
-      </a:hlink>
-      <a:folHlink>
-        <a:srgbClr val="551A8B"/>
-      </a:folHlink>
-    </a:clrScheme>
-    <a:fontScheme name="Office">
-      <a:majorFont>
-        <a:latin typeface="Arial"/>
-        <a:ea typeface=""/>
-        <a:cs typeface=""/>
-        <a:font script="Jpan" typeface="ＭＳ Ｐゴシック"/>
-        <a:font script="Hang" typeface="맑은 고딕"/>
-        <a:font script="Hans" typeface="宋体"/>
-        <a:font script="Hant" typeface="新細明體"/>
-        <a:font script="Arab" typeface="Times New Roman"/>
-        <a:font script="Hebr" typeface="Times New Roman"/>
-        <a:font script="Thai" typeface="Angsana New"/>
-        <a:font script="Ethi" typeface="Nyala"/>
-        <a:font script="Beng" typeface="Vrinda"/>
-        <a:font script="Gujr" typeface="Shruti"/>
-        <a:font script="Khmr" typeface="MoolBoran"/>
-        <a:font script="Knda" typeface="Tunga"/>
-        <a:font script="Guru" typeface="Raavi"/>
-        <a:font script="Cans" typeface="Euphemia"/>
-        <a:font script="Cher" typeface="Plantagenet Cherokee"/>
-        <a:font script="Yiii" typeface="Microsoft Yi Baiti"/>
-        <a:font script="Tibt" typeface="Microsoft Himalaya"/>
-        <a:font script="Thaa" typeface="MV Boli"/>
-        <a:font script="Deva" typeface="Mangal"/>
-        <a:font script="Telu" typeface="Gautami"/>
-        <a:font script="Taml" typeface="Latha"/>
-        <a:font script="Syrc" typeface="Estrangelo Edessa"/>
-        <a:font script="Orya" typeface="Kalinga"/>
-        <a:font script="Mlym" typeface="Kartika"/>
-        <a:font script="Laoo" typeface="DokChampa"/>
-        <a:font script="Sinh" typeface="Iskoola Pota"/>
-        <a:font script="Mong" typeface="Mongolian Baiti"/>
-        <a:font script="Viet" typeface="Times New Roman"/>
-        <a:font script="Uigh" typeface="Microsoft Uighur"/>
-        <a:font script="Geor" typeface="Sylfaen"/>
-      </a:majorFont>
-      <a:minorFont>
-        <a:latin typeface="Arial"/>
-        <a:ea typeface=""/>
-        <a:cs typeface=""/>
-        <a:font script="Jpan" typeface="ＭＳ Ｐゴシック"/>
-        <a:font script="Hang" typeface="맑은 고딕"/>
-        <a:font script="Hans" typeface="宋体"/>
-        <a:font script="Hant" typeface="新細明體"/>
-        <a:font script="Arab" typeface="Arial"/>
-        <a:font script="Hebr" typeface="Arial"/>
-        <a:font script="Thai" typeface="Cordia New"/>
-        <a:font script="Ethi" typeface="Nyala"/>
-        <a:font script="Beng" typeface="Vrinda"/>
-        <a:font script="Gujr" typeface="Shruti"/>
-        <a:font script="Khmr" typeface="DaunPenh"/>
-        <a:font script="Knda" typeface="Tunga"/>
-        <a:font script="Guru" typeface="Raavi"/>
-        <a:font script="Cans" typeface="Euphemia"/>
-        <a:font script="Cher" typeface="Plantagenet Cherokee"/>
-        <a:font script="Yiii" typeface="Microsoft Yi Baiti"/>
-        <a:font script="Tibt" typeface="Microsoft Himalaya"/>
-        <a:font script="Thaa" typeface="MV Boli"/>
-        <a:font script="Deva" typeface="Mangal"/>
-        <a:font script="Telu" typeface="Gautami"/>
-        <a:font script="Taml" typeface="Latha"/>
-        <a:font script="Syrc" typeface="Estrangelo Edessa"/>
-        <a:font script="Orya" typeface="Kalinga"/>
-        <a:font script="Mlym" typeface="Kartika"/>
-        <a:font script="Laoo" typeface="DokChampa"/>
-        <a:font script="Sinh" typeface="Iskoola Pota"/>
-        <a:font script="Mong" typeface="Mongolian Baiti"/>
-        <a:font script="Viet" typeface="Arial"/>
-        <a:font script="Uigh" typeface="Microsoft Uighur"/>
-        <a:font script="Geor" typeface="Sylfaen"/>
-      </a:minorFont>
-    </a:fontScheme>
-    <a:fmtScheme name="Office">
-      <a:fillStyleLst>
-        <a:solidFill>
-          <a:schemeClr val="phClr"/>
-        </a:solidFill>
-        <a:gradFill rotWithShape="1">
-          <a:gsLst>
-            <a:gs pos="0">
-              <a:schemeClr val="phClr">
-                <a:tint val="50000"/>
-                <a:satMod val="300000"/>
-              </a:schemeClr>
-            </a:gs>
-            <a:gs pos="35000">
-              <a:schemeClr val="phClr">
-                <a:tint val="37000"/>
-                <a:satMod val="300000"/>
-              </a:schemeClr>
-            </a:gs>
-            <a:gs pos="100000">
-              <a:schemeClr val="phClr">
-                <a:tint val="15000"/>
-                <a:satMod val="350000"/>
-              </a:schemeClr>
-            </a:gs>
-          </a:gsLst>
-          <a:lin ang="16200000" scaled="1"/>
-        </a:gradFill>
-        <a:gradFill rotWithShape="1">
-          <a:gsLst>
-            <a:gs pos="0">
-              <a:schemeClr val="phClr">
-                <a:tint val="100000"/>
-                <a:shade val="100000"/>
-                <a:satMod val="130000"/>
-              </a:schemeClr>
-            </a:gs>
-            <a:gs pos="100000">
-              <a:schemeClr val="phClr">
-                <a:tint val="50000"/>
-                <a:shade val="100000"/>
-                <a:satMod val="350000"/>
-              </a:schemeClr>
-            </a:gs>
-          </a:gsLst>
-          <a:lin ang="16200000" scaled="0"/>
-        </a:gradFill>
-      </a:fillStyleLst>
-      <a:lnStyleLst>
-        <a:ln w="9525" cap="flat" cmpd="sng" algn="ctr">
-          <a:solidFill>
-            <a:schemeClr val="phClr">
-              <a:shade val="95000"/>
-              <a:satMod val="105000"/>
-            </a:schemeClr>
-          </a:solidFill>
-          <a:prstDash val="solid"/>
-        </a:ln>
-        <a:ln w="25400" cap="flat" cmpd="sng" algn="ctr">
-          <a:solidFill>
-            <a:schemeClr val="phClr"/>
-          </a:solidFill>
-          <a:prstDash val="solid"/>
-        </a:ln>
-        <a:ln w="38100" cap="flat" cmpd="sng" algn="ctr">
-          <a:solidFill>
-            <a:schemeClr val="phClr"/>
-          </a:solidFill>
-          <a:prstDash val="solid"/>
-        </a:ln>
-      </a:lnStyleLst>
-      <a:effectStyleLst>
-        <a:effectStyle>
-          <a:effectLst>
-            <a:outerShdw blurRad="40000" dist="20000" dir="5400000" rotWithShape="0">
-              <a:srgbClr val="000000">
-                <a:alpha val="38000"/>
-              </a:srgbClr>
-            </a:outerShdw>
-          </a:effectLst>
-        </a:effectStyle>
-        <a:effectStyle>
-          <a:effectLst>
-            <a:outerShdw blurRad="40000" dist="23000" dir="5400000" rotWithShape="0">
-              <a:srgbClr val="000000">
-                <a:alpha val="35000"/>
-              </a:srgbClr>
-            </a:outerShdw>
-          </a:effectLst>
-        </a:effectStyle>
-        <a:effectStyle>
-          <a:effectLst>
-            <a:outerShdw blurRad="40000" dist="23000" dir="5400000" rotWithShape="0">
-              <a:srgbClr val="000000">
-                <a:alpha val="35000"/>
-              </a:srgbClr>
-            </a:outerShdw>
-          </a:effectLst>
-          <a:scene3d>
-            <a:camera prst="orthographicFront">
-              <a:rot lat="0" lon="0" rev="0"/>
-            </a:camera>
-            <a:lightRig rig="threePt" dir="t">
-              <a:rot lat="0" lon="0" rev="1200000"/>
-            </a:lightRig>
-          </a:scene3d>
-          <a:sp3d>
-            <a:bevelT w="63500" h="25400"/>
-          </a:sp3d>
-        </a:effectStyle>
-      </a:effectStyleLst>
-      <a:bgFillStyleLst>
-        <a:solidFill>
-          <a:schemeClr val="phClr"/>
-        </a:solidFill>
-        <a:gradFill rotWithShape="1">
-          <a:gsLst>
-            <a:gs pos="0">
-              <a:schemeClr val="phClr">
-                <a:tint val="40000"/>
-                <a:satMod val="350000"/>
-              </a:schemeClr>
-            </a:gs>
-            <a:gs pos="40000">
-              <a:schemeClr val="phClr">
-                <a:tint val="45000"/>
-                <a:shade val="99000"/>
-                <a:satMod val="350000"/>
-              </a:schemeClr>
-            </a:gs>
-            <a:gs pos="100000">
-              <a:schemeClr val="phClr">
-                <a:shade val="20000"/>
-                <a:satMod val="255000"/>
-              </a:schemeClr>
-            </a:gs>
-          </a:gsLst>
-          <a:path path="circle">
-            <a:fillToRect l="50000" t="-80000" r="50000" b="180000"/>
-          </a:path>
-        </a:gradFill>
-        <a:gradFill rotWithShape="1">
-          <a:gsLst>
-            <a:gs pos="0">
-              <a:schemeClr val="phClr">
-                <a:tint val="80000"/>
-                <a:satMod val="300000"/>
-              </a:schemeClr>
-            </a:gs>
-            <a:gs pos="100000">
-              <a:schemeClr val="phClr">
-                <a:shade val="30000"/>
-                <a:satMod val="200000"/>
-              </a:schemeClr>
-            </a:gs>
-          </a:gsLst>
-          <a:path path="circle">
-            <a:fillToRect l="50000" t="50000" r="50000" b="50000"/>
-          </a:path>
-        </a:gradFill>
-      </a:bgFillStyleLst>
-    </a:fmtScheme>
-  </a:themeElements>
-</a:theme>
 </file>